--- a/발표PPT_구성우_김남규.pptx
+++ b/발표PPT_구성우_김남규.pptx
@@ -4598,6 +4598,13 @@
   <p:clrMapOvr>
     <a:masterClrMapping/>
   </p:clrMapOvr>
+  <p:timing>
+    <p:tnLst>
+      <p:par>
+        <p:cTn id="1" dur="indefinite" restart="never" nodeType="tmRoot"/>
+      </p:par>
+    </p:tnLst>
+  </p:timing>
 </p:sld>
 </file>
 
@@ -11441,62 +11448,11 @@
         <p:grpSpPr>
           <a:xfrm>
             <a:off x="671104" y="110371"/>
-            <a:ext cx="2470228" cy="1169551"/>
+            <a:ext cx="2470228" cy="861774"/>
             <a:chOff x="4136973" y="2208818"/>
-            <a:chExt cx="2470228" cy="1169551"/>
+            <a:chExt cx="2470228" cy="861774"/>
           </a:xfrm>
         </p:grpSpPr>
-        <p:sp>
-          <p:nvSpPr>
-            <p:cNvPr id="34" name="TextBox 33">
-              <a:extLst>
-                <a:ext uri="{FF2B5EF4-FFF2-40B4-BE49-F238E27FC236}">
-                  <a16:creationId xmlns:a16="http://schemas.microsoft.com/office/drawing/2014/main" id="{51F8476E-C904-E5F5-2725-5EE171193D5F}"/>
-                </a:ext>
-              </a:extLst>
-            </p:cNvPr>
-            <p:cNvSpPr txBox="1"/>
-            <p:nvPr/>
-          </p:nvSpPr>
-          <p:spPr>
-            <a:xfrm>
-              <a:off x="5918678" y="2762816"/>
-              <a:ext cx="65" cy="615553"/>
-            </a:xfrm>
-            <a:prstGeom prst="rect">
-              <a:avLst/>
-            </a:prstGeom>
-            <a:noFill/>
-            <a:ln>
-              <a:solidFill>
-                <a:schemeClr val="tx1"/>
-              </a:solidFill>
-            </a:ln>
-          </p:spPr>
-          <p:txBody>
-            <a:bodyPr wrap="none" lIns="0" tIns="0" rIns="0" bIns="0" rtlCol="0">
-              <a:spAutoFit/>
-            </a:bodyPr>
-            <a:lstStyle/>
-            <a:p>
-              <a:pPr algn="ctr"/>
-              <a:endParaRPr lang="ko-KR" altLang="en-US" sz="4000" dirty="0">
-                <a:ln>
-                  <a:solidFill>
-                    <a:srgbClr val="1D4098">
-                      <a:alpha val="0"/>
-                    </a:srgbClr>
-                  </a:solidFill>
-                </a:ln>
-                <a:solidFill>
-                  <a:schemeClr val="bg1"/>
-                </a:solidFill>
-                <a:latin typeface="IBM Plex Sans KR SemiBold" panose="020B0703050203000203" pitchFamily="50" charset="-127"/>
-                <a:ea typeface="IBM Plex Sans KR SemiBold" panose="020B0703050203000203" pitchFamily="50" charset="-127"/>
-              </a:endParaRPr>
-            </a:p>
-          </p:txBody>
-        </p:sp>
         <p:sp>
           <p:nvSpPr>
             <p:cNvPr id="33" name="TextBox 32">
@@ -11519,9 +11475,7 @@
             </a:prstGeom>
             <a:noFill/>
             <a:ln>
-              <a:solidFill>
-                <a:schemeClr val="tx1"/>
-              </a:solidFill>
+              <a:noFill/>
             </a:ln>
           </p:spPr>
           <p:txBody>
@@ -11572,9 +11526,7 @@
             </a:prstGeom>
             <a:noFill/>
             <a:ln>
-              <a:solidFill>
-                <a:schemeClr val="tx1"/>
-              </a:solidFill>
+              <a:noFill/>
             </a:ln>
           </p:spPr>
           <p:txBody>
@@ -11667,9 +11619,7 @@
           </a:prstGeom>
           <a:noFill/>
           <a:ln>
-            <a:solidFill>
-              <a:schemeClr val="tx1"/>
-            </a:solidFill>
+            <a:noFill/>
           </a:ln>
         </p:spPr>
         <p:txBody>
@@ -11722,9 +11672,7 @@
           </a:prstGeom>
           <a:noFill/>
           <a:ln>
-            <a:solidFill>
-              <a:schemeClr val="tx1"/>
-            </a:solidFill>
+            <a:noFill/>
           </a:ln>
         </p:spPr>
         <p:txBody>
@@ -12108,9 +12056,7 @@
             </a:prstGeom>
             <a:noFill/>
             <a:ln>
-              <a:solidFill>
-                <a:schemeClr val="tx1"/>
-              </a:solidFill>
+              <a:noFill/>
             </a:ln>
           </p:spPr>
           <p:txBody>
@@ -12159,9 +12105,7 @@
             </a:prstGeom>
             <a:noFill/>
             <a:ln>
-              <a:solidFill>
-                <a:schemeClr val="tx1"/>
-              </a:solidFill>
+              <a:noFill/>
             </a:ln>
           </p:spPr>
           <p:txBody>
@@ -12212,9 +12156,7 @@
             </a:prstGeom>
             <a:noFill/>
             <a:ln>
-              <a:solidFill>
-                <a:schemeClr val="tx1"/>
-              </a:solidFill>
+              <a:noFill/>
             </a:ln>
           </p:spPr>
           <p:txBody>
@@ -12307,9 +12249,7 @@
           </a:prstGeom>
           <a:noFill/>
           <a:ln>
-            <a:solidFill>
-              <a:schemeClr val="tx1"/>
-            </a:solidFill>
+            <a:noFill/>
           </a:ln>
         </p:spPr>
         <p:txBody>
@@ -12362,9 +12302,7 @@
           </a:prstGeom>
           <a:noFill/>
           <a:ln>
-            <a:solidFill>
-              <a:schemeClr val="tx1"/>
-            </a:solidFill>
+            <a:noFill/>
           </a:ln>
         </p:spPr>
         <p:txBody>
@@ -15092,9 +15030,7 @@
             </a:prstGeom>
             <a:noFill/>
             <a:ln>
-              <a:solidFill>
-                <a:schemeClr val="tx1"/>
-              </a:solidFill>
+              <a:noFill/>
             </a:ln>
           </p:spPr>
           <p:txBody>
@@ -15143,9 +15079,7 @@
             </a:prstGeom>
             <a:noFill/>
             <a:ln>
-              <a:solidFill>
-                <a:schemeClr val="tx1"/>
-              </a:solidFill>
+              <a:noFill/>
             </a:ln>
           </p:spPr>
           <p:txBody>
@@ -15196,9 +15130,7 @@
             </a:prstGeom>
             <a:noFill/>
             <a:ln>
-              <a:solidFill>
-                <a:schemeClr val="tx1"/>
-              </a:solidFill>
+              <a:noFill/>
             </a:ln>
           </p:spPr>
           <p:txBody>
@@ -15291,9 +15223,7 @@
           </a:prstGeom>
           <a:noFill/>
           <a:ln>
-            <a:solidFill>
-              <a:schemeClr val="tx1"/>
-            </a:solidFill>
+            <a:noFill/>
           </a:ln>
         </p:spPr>
         <p:txBody>
@@ -15346,9 +15276,7 @@
           </a:prstGeom>
           <a:noFill/>
           <a:ln>
-            <a:solidFill>
-              <a:schemeClr val="tx1"/>
-            </a:solidFill>
+            <a:noFill/>
           </a:ln>
         </p:spPr>
         <p:txBody>
@@ -17143,115 +17071,6 @@
           <a:chExt cx="0" cy="0"/>
         </a:xfrm>
       </p:grpSpPr>
-      <p:sp>
-        <p:nvSpPr>
-          <p:cNvPr id="61" name="TextBox 60">
-            <a:extLst>
-              <a:ext uri="{FF2B5EF4-FFF2-40B4-BE49-F238E27FC236}">
-                <a16:creationId xmlns:a16="http://schemas.microsoft.com/office/drawing/2014/main" id="{C3B9A7CA-F88E-A80A-B366-B7CFFAC3C320}"/>
-              </a:ext>
-            </a:extLst>
-          </p:cNvPr>
-          <p:cNvSpPr txBox="1"/>
-          <p:nvPr/>
-        </p:nvSpPr>
-        <p:spPr>
-          <a:xfrm>
-            <a:off x="13930894" y="785427"/>
-            <a:ext cx="1107996" cy="7239161"/>
-          </a:xfrm>
-          <a:prstGeom prst="rect">
-            <a:avLst/>
-          </a:prstGeom>
-          <a:noFill/>
-          <a:ln>
-            <a:solidFill>
-              <a:schemeClr val="tx1"/>
-            </a:solidFill>
-          </a:ln>
-        </p:spPr>
-        <p:txBody>
-          <a:bodyPr vert="eaVert" wrap="none" lIns="0" tIns="0" rIns="0" bIns="0" rtlCol="0">
-            <a:spAutoFit/>
-          </a:bodyPr>
-          <a:lstStyle/>
-          <a:p>
-            <a:r>
-              <a:rPr lang="en-US" altLang="ko-KR" sz="7200" dirty="0">
-                <a:ln>
-                  <a:solidFill>
-                    <a:srgbClr val="1D4098">
-                      <a:alpha val="0"/>
-                    </a:srgbClr>
-                  </a:solidFill>
-                </a:ln>
-                <a:solidFill>
-                  <a:schemeClr val="bg1">
-                    <a:alpha val="5000"/>
-                  </a:schemeClr>
-                </a:solidFill>
-                <a:latin typeface="Segoe UI Black" panose="020B0A02040204020203" pitchFamily="34" charset="0"/>
-                <a:ea typeface="IBM Plex Sans KR SemiBold" panose="020B0703050203000203" pitchFamily="50" charset="-127"/>
-              </a:rPr>
-              <a:t>UNITED</a:t>
-            </a:r>
-            <a:r>
-              <a:rPr lang="ko-KR" altLang="en-US" sz="7200" dirty="0">
-                <a:ln>
-                  <a:solidFill>
-                    <a:srgbClr val="1D4098">
-                      <a:alpha val="0"/>
-                    </a:srgbClr>
-                  </a:solidFill>
-                </a:ln>
-                <a:solidFill>
-                  <a:schemeClr val="bg1">
-                    <a:alpha val="5000"/>
-                  </a:schemeClr>
-                </a:solidFill>
-                <a:latin typeface="Segoe UI Black" panose="020B0A02040204020203" pitchFamily="34" charset="0"/>
-                <a:ea typeface="IBM Plex Sans KR SemiBold" panose="020B0703050203000203" pitchFamily="50" charset="-127"/>
-              </a:rPr>
-              <a:t> </a:t>
-            </a:r>
-            <a:r>
-              <a:rPr lang="en-US" altLang="ko-KR" sz="7200" dirty="0">
-                <a:ln>
-                  <a:solidFill>
-                    <a:srgbClr val="1D4098">
-                      <a:alpha val="0"/>
-                    </a:srgbClr>
-                  </a:solidFill>
-                </a:ln>
-                <a:solidFill>
-                  <a:schemeClr val="bg1">
-                    <a:alpha val="5000"/>
-                  </a:schemeClr>
-                </a:solidFill>
-                <a:latin typeface="Segoe UI Black" panose="020B0A02040204020203" pitchFamily="34" charset="0"/>
-                <a:ea typeface="IBM Plex Sans KR SemiBold" panose="020B0703050203000203" pitchFamily="50" charset="-127"/>
-              </a:rPr>
-              <a:t>STATES</a:t>
-            </a:r>
-            <a:endParaRPr lang="ko-KR" altLang="en-US" sz="7200" dirty="0">
-              <a:ln>
-                <a:solidFill>
-                  <a:srgbClr val="1D4098">
-                    <a:alpha val="0"/>
-                  </a:srgbClr>
-                </a:solidFill>
-              </a:ln>
-              <a:solidFill>
-                <a:schemeClr val="bg1">
-                  <a:alpha val="5000"/>
-                </a:schemeClr>
-              </a:solidFill>
-              <a:latin typeface="Segoe UI Black" panose="020B0A02040204020203" pitchFamily="34" charset="0"/>
-              <a:ea typeface="IBM Plex Sans KR SemiBold" panose="020B0703050203000203" pitchFamily="50" charset="-127"/>
-            </a:endParaRPr>
-          </a:p>
-        </p:txBody>
-      </p:sp>
       <p:grpSp>
         <p:nvGrpSpPr>
           <p:cNvPr id="5" name="그룹 4">
@@ -17294,9 +17113,7 @@
             </a:prstGeom>
             <a:noFill/>
             <a:ln>
-              <a:solidFill>
-                <a:schemeClr val="tx1"/>
-              </a:solidFill>
+              <a:noFill/>
             </a:ln>
           </p:spPr>
           <p:txBody>
@@ -17345,9 +17162,7 @@
             </a:prstGeom>
             <a:noFill/>
             <a:ln>
-              <a:solidFill>
-                <a:schemeClr val="tx1"/>
-              </a:solidFill>
+              <a:noFill/>
             </a:ln>
           </p:spPr>
           <p:txBody>
@@ -17398,9 +17213,7 @@
             </a:prstGeom>
             <a:noFill/>
             <a:ln>
-              <a:solidFill>
-                <a:schemeClr val="tx1"/>
-              </a:solidFill>
+              <a:noFill/>
             </a:ln>
           </p:spPr>
           <p:txBody>
@@ -17493,9 +17306,7 @@
           </a:prstGeom>
           <a:noFill/>
           <a:ln>
-            <a:solidFill>
-              <a:schemeClr val="tx1"/>
-            </a:solidFill>
+            <a:noFill/>
           </a:ln>
         </p:spPr>
         <p:txBody>
@@ -17548,9 +17359,7 @@
           </a:prstGeom>
           <a:noFill/>
           <a:ln>
-            <a:solidFill>
-              <a:schemeClr val="tx1"/>
-            </a:solidFill>
+            <a:noFill/>
           </a:ln>
         </p:spPr>
         <p:txBody>
@@ -17783,115 +17592,6 @@
           <a:chExt cx="0" cy="0"/>
         </a:xfrm>
       </p:grpSpPr>
-      <p:sp>
-        <p:nvSpPr>
-          <p:cNvPr id="61" name="TextBox 60">
-            <a:extLst>
-              <a:ext uri="{FF2B5EF4-FFF2-40B4-BE49-F238E27FC236}">
-                <a16:creationId xmlns:a16="http://schemas.microsoft.com/office/drawing/2014/main" id="{C3B9A7CA-F88E-A80A-B366-B7CFFAC3C320}"/>
-              </a:ext>
-            </a:extLst>
-          </p:cNvPr>
-          <p:cNvSpPr txBox="1"/>
-          <p:nvPr/>
-        </p:nvSpPr>
-        <p:spPr>
-          <a:xfrm>
-            <a:off x="13930894" y="785427"/>
-            <a:ext cx="1107996" cy="7239161"/>
-          </a:xfrm>
-          <a:prstGeom prst="rect">
-            <a:avLst/>
-          </a:prstGeom>
-          <a:noFill/>
-          <a:ln>
-            <a:solidFill>
-              <a:schemeClr val="tx1"/>
-            </a:solidFill>
-          </a:ln>
-        </p:spPr>
-        <p:txBody>
-          <a:bodyPr vert="eaVert" wrap="none" lIns="0" tIns="0" rIns="0" bIns="0" rtlCol="0">
-            <a:spAutoFit/>
-          </a:bodyPr>
-          <a:lstStyle/>
-          <a:p>
-            <a:r>
-              <a:rPr lang="en-US" altLang="ko-KR" sz="7200" dirty="0">
-                <a:ln>
-                  <a:solidFill>
-                    <a:srgbClr val="1D4098">
-                      <a:alpha val="0"/>
-                    </a:srgbClr>
-                  </a:solidFill>
-                </a:ln>
-                <a:solidFill>
-                  <a:schemeClr val="bg1">
-                    <a:alpha val="5000"/>
-                  </a:schemeClr>
-                </a:solidFill>
-                <a:latin typeface="Segoe UI Black" panose="020B0A02040204020203" pitchFamily="34" charset="0"/>
-                <a:ea typeface="IBM Plex Sans KR SemiBold" panose="020B0703050203000203" pitchFamily="50" charset="-127"/>
-              </a:rPr>
-              <a:t>UNITED</a:t>
-            </a:r>
-            <a:r>
-              <a:rPr lang="ko-KR" altLang="en-US" sz="7200" dirty="0">
-                <a:ln>
-                  <a:solidFill>
-                    <a:srgbClr val="1D4098">
-                      <a:alpha val="0"/>
-                    </a:srgbClr>
-                  </a:solidFill>
-                </a:ln>
-                <a:solidFill>
-                  <a:schemeClr val="bg1">
-                    <a:alpha val="5000"/>
-                  </a:schemeClr>
-                </a:solidFill>
-                <a:latin typeface="Segoe UI Black" panose="020B0A02040204020203" pitchFamily="34" charset="0"/>
-                <a:ea typeface="IBM Plex Sans KR SemiBold" panose="020B0703050203000203" pitchFamily="50" charset="-127"/>
-              </a:rPr>
-              <a:t> </a:t>
-            </a:r>
-            <a:r>
-              <a:rPr lang="en-US" altLang="ko-KR" sz="7200" dirty="0">
-                <a:ln>
-                  <a:solidFill>
-                    <a:srgbClr val="1D4098">
-                      <a:alpha val="0"/>
-                    </a:srgbClr>
-                  </a:solidFill>
-                </a:ln>
-                <a:solidFill>
-                  <a:schemeClr val="bg1">
-                    <a:alpha val="5000"/>
-                  </a:schemeClr>
-                </a:solidFill>
-                <a:latin typeface="Segoe UI Black" panose="020B0A02040204020203" pitchFamily="34" charset="0"/>
-                <a:ea typeface="IBM Plex Sans KR SemiBold" panose="020B0703050203000203" pitchFamily="50" charset="-127"/>
-              </a:rPr>
-              <a:t>STATES</a:t>
-            </a:r>
-            <a:endParaRPr lang="ko-KR" altLang="en-US" sz="7200" dirty="0">
-              <a:ln>
-                <a:solidFill>
-                  <a:srgbClr val="1D4098">
-                    <a:alpha val="0"/>
-                  </a:srgbClr>
-                </a:solidFill>
-              </a:ln>
-              <a:solidFill>
-                <a:schemeClr val="bg1">
-                  <a:alpha val="5000"/>
-                </a:schemeClr>
-              </a:solidFill>
-              <a:latin typeface="Segoe UI Black" panose="020B0A02040204020203" pitchFamily="34" charset="0"/>
-              <a:ea typeface="IBM Plex Sans KR SemiBold" panose="020B0703050203000203" pitchFamily="50" charset="-127"/>
-            </a:endParaRPr>
-          </a:p>
-        </p:txBody>
-      </p:sp>
       <p:grpSp>
         <p:nvGrpSpPr>
           <p:cNvPr id="5" name="그룹 4">
@@ -17934,9 +17634,7 @@
             </a:prstGeom>
             <a:noFill/>
             <a:ln>
-              <a:solidFill>
-                <a:schemeClr val="tx1"/>
-              </a:solidFill>
+              <a:noFill/>
             </a:ln>
           </p:spPr>
           <p:txBody>
@@ -17985,9 +17683,7 @@
             </a:prstGeom>
             <a:noFill/>
             <a:ln>
-              <a:solidFill>
-                <a:schemeClr val="tx1"/>
-              </a:solidFill>
+              <a:noFill/>
             </a:ln>
           </p:spPr>
           <p:txBody>
@@ -18038,9 +17734,7 @@
             </a:prstGeom>
             <a:noFill/>
             <a:ln>
-              <a:solidFill>
-                <a:schemeClr val="tx1"/>
-              </a:solidFill>
+              <a:noFill/>
             </a:ln>
           </p:spPr>
           <p:txBody>
@@ -18133,9 +17827,7 @@
           </a:prstGeom>
           <a:noFill/>
           <a:ln>
-            <a:solidFill>
-              <a:schemeClr val="tx1"/>
-            </a:solidFill>
+            <a:noFill/>
           </a:ln>
         </p:spPr>
         <p:txBody>
@@ -18188,9 +17880,7 @@
           </a:prstGeom>
           <a:noFill/>
           <a:ln>
-            <a:solidFill>
-              <a:schemeClr val="tx1"/>
-            </a:solidFill>
+            <a:noFill/>
           </a:ln>
         </p:spPr>
         <p:txBody>
@@ -18423,115 +18113,6 @@
           <a:chExt cx="0" cy="0"/>
         </a:xfrm>
       </p:grpSpPr>
-      <p:sp>
-        <p:nvSpPr>
-          <p:cNvPr id="61" name="TextBox 60">
-            <a:extLst>
-              <a:ext uri="{FF2B5EF4-FFF2-40B4-BE49-F238E27FC236}">
-                <a16:creationId xmlns:a16="http://schemas.microsoft.com/office/drawing/2014/main" id="{C3B9A7CA-F88E-A80A-B366-B7CFFAC3C320}"/>
-              </a:ext>
-            </a:extLst>
-          </p:cNvPr>
-          <p:cNvSpPr txBox="1"/>
-          <p:nvPr/>
-        </p:nvSpPr>
-        <p:spPr>
-          <a:xfrm>
-            <a:off x="13930894" y="785427"/>
-            <a:ext cx="1107996" cy="7239161"/>
-          </a:xfrm>
-          <a:prstGeom prst="rect">
-            <a:avLst/>
-          </a:prstGeom>
-          <a:noFill/>
-          <a:ln>
-            <a:solidFill>
-              <a:schemeClr val="tx1"/>
-            </a:solidFill>
-          </a:ln>
-        </p:spPr>
-        <p:txBody>
-          <a:bodyPr vert="eaVert" wrap="none" lIns="0" tIns="0" rIns="0" bIns="0" rtlCol="0">
-            <a:spAutoFit/>
-          </a:bodyPr>
-          <a:lstStyle/>
-          <a:p>
-            <a:r>
-              <a:rPr lang="en-US" altLang="ko-KR" sz="7200" dirty="0">
-                <a:ln>
-                  <a:solidFill>
-                    <a:srgbClr val="1D4098">
-                      <a:alpha val="0"/>
-                    </a:srgbClr>
-                  </a:solidFill>
-                </a:ln>
-                <a:solidFill>
-                  <a:schemeClr val="bg1">
-                    <a:alpha val="5000"/>
-                  </a:schemeClr>
-                </a:solidFill>
-                <a:latin typeface="Segoe UI Black" panose="020B0A02040204020203" pitchFamily="34" charset="0"/>
-                <a:ea typeface="IBM Plex Sans KR SemiBold" panose="020B0703050203000203" pitchFamily="50" charset="-127"/>
-              </a:rPr>
-              <a:t>UNITED</a:t>
-            </a:r>
-            <a:r>
-              <a:rPr lang="ko-KR" altLang="en-US" sz="7200" dirty="0">
-                <a:ln>
-                  <a:solidFill>
-                    <a:srgbClr val="1D4098">
-                      <a:alpha val="0"/>
-                    </a:srgbClr>
-                  </a:solidFill>
-                </a:ln>
-                <a:solidFill>
-                  <a:schemeClr val="bg1">
-                    <a:alpha val="5000"/>
-                  </a:schemeClr>
-                </a:solidFill>
-                <a:latin typeface="Segoe UI Black" panose="020B0A02040204020203" pitchFamily="34" charset="0"/>
-                <a:ea typeface="IBM Plex Sans KR SemiBold" panose="020B0703050203000203" pitchFamily="50" charset="-127"/>
-              </a:rPr>
-              <a:t> </a:t>
-            </a:r>
-            <a:r>
-              <a:rPr lang="en-US" altLang="ko-KR" sz="7200" dirty="0">
-                <a:ln>
-                  <a:solidFill>
-                    <a:srgbClr val="1D4098">
-                      <a:alpha val="0"/>
-                    </a:srgbClr>
-                  </a:solidFill>
-                </a:ln>
-                <a:solidFill>
-                  <a:schemeClr val="bg1">
-                    <a:alpha val="5000"/>
-                  </a:schemeClr>
-                </a:solidFill>
-                <a:latin typeface="Segoe UI Black" panose="020B0A02040204020203" pitchFamily="34" charset="0"/>
-                <a:ea typeface="IBM Plex Sans KR SemiBold" panose="020B0703050203000203" pitchFamily="50" charset="-127"/>
-              </a:rPr>
-              <a:t>STATES</a:t>
-            </a:r>
-            <a:endParaRPr lang="ko-KR" altLang="en-US" sz="7200" dirty="0">
-              <a:ln>
-                <a:solidFill>
-                  <a:srgbClr val="1D4098">
-                    <a:alpha val="0"/>
-                  </a:srgbClr>
-                </a:solidFill>
-              </a:ln>
-              <a:solidFill>
-                <a:schemeClr val="bg1">
-                  <a:alpha val="5000"/>
-                </a:schemeClr>
-              </a:solidFill>
-              <a:latin typeface="Segoe UI Black" panose="020B0A02040204020203" pitchFamily="34" charset="0"/>
-              <a:ea typeface="IBM Plex Sans KR SemiBold" panose="020B0703050203000203" pitchFamily="50" charset="-127"/>
-            </a:endParaRPr>
-          </a:p>
-        </p:txBody>
-      </p:sp>
       <p:grpSp>
         <p:nvGrpSpPr>
           <p:cNvPr id="5" name="그룹 4">
@@ -18574,9 +18155,7 @@
             </a:prstGeom>
             <a:noFill/>
             <a:ln>
-              <a:solidFill>
-                <a:schemeClr val="tx1"/>
-              </a:solidFill>
+              <a:noFill/>
             </a:ln>
           </p:spPr>
           <p:txBody>
@@ -18625,9 +18204,7 @@
             </a:prstGeom>
             <a:noFill/>
             <a:ln>
-              <a:solidFill>
-                <a:schemeClr val="tx1"/>
-              </a:solidFill>
+              <a:noFill/>
             </a:ln>
           </p:spPr>
           <p:txBody>
@@ -18678,9 +18255,7 @@
             </a:prstGeom>
             <a:noFill/>
             <a:ln>
-              <a:solidFill>
-                <a:schemeClr val="tx1"/>
-              </a:solidFill>
+              <a:noFill/>
             </a:ln>
           </p:spPr>
           <p:txBody>
@@ -18773,9 +18348,7 @@
           </a:prstGeom>
           <a:noFill/>
           <a:ln>
-            <a:solidFill>
-              <a:schemeClr val="tx1"/>
-            </a:solidFill>
+            <a:noFill/>
           </a:ln>
         </p:spPr>
         <p:txBody>
@@ -18828,9 +18401,7 @@
           </a:prstGeom>
           <a:noFill/>
           <a:ln>
-            <a:solidFill>
-              <a:schemeClr val="tx1"/>
-            </a:solidFill>
+            <a:noFill/>
           </a:ln>
         </p:spPr>
         <p:txBody>
@@ -19085,9 +18656,7 @@
           </a:prstGeom>
           <a:noFill/>
           <a:ln>
-            <a:solidFill>
-              <a:schemeClr val="tx1"/>
-            </a:solidFill>
+            <a:noFill/>
           </a:ln>
         </p:spPr>
         <p:txBody>
@@ -19214,9 +18783,7 @@
             </a:prstGeom>
             <a:noFill/>
             <a:ln>
-              <a:solidFill>
-                <a:schemeClr val="tx1"/>
-              </a:solidFill>
+              <a:noFill/>
             </a:ln>
           </p:spPr>
           <p:txBody>
@@ -19265,9 +18832,7 @@
             </a:prstGeom>
             <a:noFill/>
             <a:ln>
-              <a:solidFill>
-                <a:schemeClr val="tx1"/>
-              </a:solidFill>
+              <a:noFill/>
             </a:ln>
           </p:spPr>
           <p:txBody>
@@ -19318,9 +18883,7 @@
             </a:prstGeom>
             <a:noFill/>
             <a:ln>
-              <a:solidFill>
-                <a:schemeClr val="tx1"/>
-              </a:solidFill>
+              <a:noFill/>
             </a:ln>
           </p:spPr>
           <p:txBody>
@@ -19413,9 +18976,7 @@
           </a:prstGeom>
           <a:noFill/>
           <a:ln>
-            <a:solidFill>
-              <a:schemeClr val="tx1"/>
-            </a:solidFill>
+            <a:noFill/>
           </a:ln>
         </p:spPr>
         <p:txBody>

--- a/발표PPT_구성우_김남규.pptx
+++ b/발표PPT_구성우_김남규.pptx
@@ -267,7 +267,7 @@
           <a:p>
             <a:fld id="{77247E29-174E-48D2-AAE2-412200B6240A}" type="datetimeFigureOut">
               <a:rPr lang="ko-KR" altLang="en-US" smtClean="0"/>
-              <a:t>2022-11-24</a:t>
+              <a:t>2022-11-25</a:t>
             </a:fld>
             <a:endParaRPr lang="ko-KR" altLang="en-US"/>
           </a:p>
@@ -765,7 +765,7 @@
           <a:p>
             <a:fld id="{8A1DF87C-D300-4E49-A070-148BCC676809}" type="datetimeFigureOut">
               <a:rPr lang="ko-KR" altLang="en-US" smtClean="0"/>
-              <a:t>2022-11-24</a:t>
+              <a:t>2022-11-25</a:t>
             </a:fld>
             <a:endParaRPr lang="ko-KR" altLang="en-US"/>
           </a:p>
@@ -963,7 +963,7 @@
           <a:p>
             <a:fld id="{8A1DF87C-D300-4E49-A070-148BCC676809}" type="datetimeFigureOut">
               <a:rPr lang="ko-KR" altLang="en-US" smtClean="0"/>
-              <a:t>2022-11-24</a:t>
+              <a:t>2022-11-25</a:t>
             </a:fld>
             <a:endParaRPr lang="ko-KR" altLang="en-US"/>
           </a:p>
@@ -1171,7 +1171,7 @@
           <a:p>
             <a:fld id="{8A1DF87C-D300-4E49-A070-148BCC676809}" type="datetimeFigureOut">
               <a:rPr lang="ko-KR" altLang="en-US" smtClean="0"/>
-              <a:t>2022-11-24</a:t>
+              <a:t>2022-11-25</a:t>
             </a:fld>
             <a:endParaRPr lang="ko-KR" altLang="en-US"/>
           </a:p>
@@ -1369,7 +1369,7 @@
           <a:p>
             <a:fld id="{8A1DF87C-D300-4E49-A070-148BCC676809}" type="datetimeFigureOut">
               <a:rPr lang="ko-KR" altLang="en-US" smtClean="0"/>
-              <a:t>2022-11-24</a:t>
+              <a:t>2022-11-25</a:t>
             </a:fld>
             <a:endParaRPr lang="ko-KR" altLang="en-US"/>
           </a:p>
@@ -1644,7 +1644,7 @@
           <a:p>
             <a:fld id="{8A1DF87C-D300-4E49-A070-148BCC676809}" type="datetimeFigureOut">
               <a:rPr lang="ko-KR" altLang="en-US" smtClean="0"/>
-              <a:t>2022-11-24</a:t>
+              <a:t>2022-11-25</a:t>
             </a:fld>
             <a:endParaRPr lang="ko-KR" altLang="en-US"/>
           </a:p>
@@ -1909,7 +1909,7 @@
           <a:p>
             <a:fld id="{8A1DF87C-D300-4E49-A070-148BCC676809}" type="datetimeFigureOut">
               <a:rPr lang="ko-KR" altLang="en-US" smtClean="0"/>
-              <a:t>2022-11-24</a:t>
+              <a:t>2022-11-25</a:t>
             </a:fld>
             <a:endParaRPr lang="ko-KR" altLang="en-US"/>
           </a:p>
@@ -2321,7 +2321,7 @@
           <a:p>
             <a:fld id="{8A1DF87C-D300-4E49-A070-148BCC676809}" type="datetimeFigureOut">
               <a:rPr lang="ko-KR" altLang="en-US" smtClean="0"/>
-              <a:t>2022-11-24</a:t>
+              <a:t>2022-11-25</a:t>
             </a:fld>
             <a:endParaRPr lang="ko-KR" altLang="en-US"/>
           </a:p>
@@ -2462,7 +2462,7 @@
           <a:p>
             <a:fld id="{8A1DF87C-D300-4E49-A070-148BCC676809}" type="datetimeFigureOut">
               <a:rPr lang="ko-KR" altLang="en-US" smtClean="0"/>
-              <a:t>2022-11-24</a:t>
+              <a:t>2022-11-25</a:t>
             </a:fld>
             <a:endParaRPr lang="ko-KR" altLang="en-US"/>
           </a:p>
@@ -2575,7 +2575,7 @@
           <a:p>
             <a:fld id="{8A1DF87C-D300-4E49-A070-148BCC676809}" type="datetimeFigureOut">
               <a:rPr lang="ko-KR" altLang="en-US" smtClean="0"/>
-              <a:t>2022-11-24</a:t>
+              <a:t>2022-11-25</a:t>
             </a:fld>
             <a:endParaRPr lang="ko-KR" altLang="en-US"/>
           </a:p>
@@ -2886,7 +2886,7 @@
           <a:p>
             <a:fld id="{8A1DF87C-D300-4E49-A070-148BCC676809}" type="datetimeFigureOut">
               <a:rPr lang="ko-KR" altLang="en-US" smtClean="0"/>
-              <a:t>2022-11-24</a:t>
+              <a:t>2022-11-25</a:t>
             </a:fld>
             <a:endParaRPr lang="ko-KR" altLang="en-US"/>
           </a:p>
@@ -3174,7 +3174,7 @@
           <a:p>
             <a:fld id="{8A1DF87C-D300-4E49-A070-148BCC676809}" type="datetimeFigureOut">
               <a:rPr lang="ko-KR" altLang="en-US" smtClean="0"/>
-              <a:t>2022-11-24</a:t>
+              <a:t>2022-11-25</a:t>
             </a:fld>
             <a:endParaRPr lang="ko-KR" altLang="en-US"/>
           </a:p>
@@ -3415,7 +3415,7 @@
           <a:p>
             <a:fld id="{8A1DF87C-D300-4E49-A070-148BCC676809}" type="datetimeFigureOut">
               <a:rPr lang="ko-KR" altLang="en-US" smtClean="0"/>
-              <a:t>2022-11-24</a:t>
+              <a:t>2022-11-25</a:t>
             </a:fld>
             <a:endParaRPr lang="ko-KR" altLang="en-US"/>
           </a:p>
@@ -4604,13 +4604,6 @@
   <p:clrMapOvr>
     <a:masterClrMapping/>
   </p:clrMapOvr>
-  <p:timing>
-    <p:tnLst>
-      <p:par>
-        <p:cTn id="1" dur="indefinite" restart="never" nodeType="tmRoot"/>
-      </p:par>
-    </p:tnLst>
-  </p:timing>
 </p:sld>
 </file>
 
@@ -5210,13 +5203,6 @@
       </p:transition>
     </mc:Fallback>
   </mc:AlternateContent>
-  <p:timing>
-    <p:tnLst>
-      <p:par>
-        <p:cTn id="1" dur="indefinite" restart="never" nodeType="tmRoot"/>
-      </p:par>
-    </p:tnLst>
-  </p:timing>
 </p:sld>
 </file>
 
@@ -5727,7 +5713,7 @@
           <a:lstStyle/>
           <a:p>
             <a:r>
-              <a:rPr lang="en-US" altLang="ko-KR" sz="1400" dirty="0" smtClean="0">
+              <a:rPr lang="en-US" altLang="ko-KR" sz="1400" dirty="0">
                 <a:ln>
                   <a:solidFill>
                     <a:srgbClr val="1D4098">
@@ -5744,7 +5730,7 @@
               <a:t>PJT</a:t>
             </a:r>
             <a:r>
-              <a:rPr lang="ko-KR" altLang="en-US" sz="1400" dirty="0" smtClean="0">
+              <a:rPr lang="ko-KR" altLang="en-US" sz="1400" dirty="0">
                 <a:ln>
                   <a:solidFill>
                     <a:srgbClr val="1D4098">
@@ -5761,7 +5747,7 @@
               <a:t> 기간 </a:t>
             </a:r>
             <a:r>
-              <a:rPr lang="en-US" altLang="ko-KR" sz="1400" dirty="0" smtClean="0">
+              <a:rPr lang="en-US" altLang="ko-KR" sz="1400" dirty="0">
                 <a:ln>
                   <a:solidFill>
                     <a:srgbClr val="1D4098">
@@ -6151,7 +6137,7 @@
               </a:lnSpc>
             </a:pPr>
             <a:r>
-              <a:rPr lang="en-US" altLang="ko-KR" baseline="-25000" dirty="0" err="1" smtClean="0">
+              <a:rPr lang="en-US" altLang="ko-KR" baseline="-25000" dirty="0" err="1">
                 <a:ln>
                   <a:solidFill>
                     <a:srgbClr val="1D4098">
@@ -6168,7 +6154,7 @@
               <a:t>Gitlab</a:t>
             </a:r>
             <a:r>
-              <a:rPr lang="ko-KR" altLang="en-US" baseline="-25000" dirty="0" smtClean="0">
+              <a:rPr lang="ko-KR" altLang="en-US" baseline="-25000" dirty="0">
                 <a:ln>
                   <a:solidFill>
                     <a:srgbClr val="1D4098">
@@ -7234,7 +7220,7 @@
           <a:lstStyle/>
           <a:p>
             <a:r>
-              <a:rPr lang="ko-KR" altLang="en-US" sz="1200" dirty="0" err="1" smtClean="0">
+              <a:rPr lang="ko-KR" altLang="en-US" sz="1200" dirty="0" err="1">
                 <a:ln>
                   <a:solidFill>
                     <a:srgbClr val="1D4098">
@@ -7289,7 +7275,7 @@
           <a:lstStyle/>
           <a:p>
             <a:r>
-              <a:rPr lang="ko-KR" altLang="en-US" sz="1200" dirty="0" smtClean="0">
+              <a:rPr lang="ko-KR" altLang="en-US" sz="1200" dirty="0">
                 <a:ln>
                   <a:solidFill>
                     <a:srgbClr val="1D4098">
@@ -7305,20 +7291,6 @@
               </a:rPr>
               <a:t>김남규</a:t>
             </a:r>
-            <a:endParaRPr lang="ko-KR" altLang="en-US" sz="1200" dirty="0">
-              <a:ln>
-                <a:solidFill>
-                  <a:srgbClr val="1D4098">
-                    <a:alpha val="0"/>
-                  </a:srgbClr>
-                </a:solidFill>
-              </a:ln>
-              <a:solidFill>
-                <a:schemeClr val="bg1"/>
-              </a:solidFill>
-              <a:latin typeface="IBM Plex Sans KR SemiBold" panose="020B0703050203000203" pitchFamily="50" charset="-127"/>
-              <a:ea typeface="IBM Plex Sans KR SemiBold" panose="020B0703050203000203" pitchFamily="50" charset="-127"/>
-            </a:endParaRPr>
           </a:p>
         </p:txBody>
       </p:sp>
@@ -7344,13 +7316,6 @@
       </p:transition>
     </mc:Fallback>
   </mc:AlternateContent>
-  <p:timing>
-    <p:tnLst>
-      <p:par>
-        <p:cTn id="1" dur="indefinite" restart="never" nodeType="tmRoot"/>
-      </p:par>
-    </p:tnLst>
-  </p:timing>
 </p:sld>
 </file>
 
@@ -7884,13 +7849,6 @@
       </p:transition>
     </mc:Fallback>
   </mc:AlternateContent>
-  <p:timing>
-    <p:tnLst>
-      <p:par>
-        <p:cTn id="1" dur="indefinite" restart="never" nodeType="tmRoot"/>
-      </p:par>
-    </p:tnLst>
-  </p:timing>
 </p:sld>
 </file>
 
@@ -8075,7 +8033,7 @@
             <a:lstStyle/>
             <a:p>
               <a:r>
-                <a:rPr lang="ko-KR" altLang="en-US" sz="4000" dirty="0" smtClean="0">
+                <a:rPr lang="ko-KR" altLang="en-US" sz="4000" dirty="0">
                   <a:ln>
                     <a:solidFill>
                       <a:srgbClr val="1D4098">
@@ -8091,20 +8049,6 @@
                 </a:rPr>
                 <a:t>시장 분석</a:t>
               </a:r>
-              <a:endParaRPr lang="ko-KR" altLang="en-US" sz="4000" dirty="0">
-                <a:ln>
-                  <a:solidFill>
-                    <a:srgbClr val="1D4098">
-                      <a:alpha val="0"/>
-                    </a:srgbClr>
-                  </a:solidFill>
-                </a:ln>
-                <a:solidFill>
-                  <a:schemeClr val="bg1"/>
-                </a:solidFill>
-                <a:latin typeface="IBM Plex Sans KR SemiBold" panose="020B0703050203000203" pitchFamily="50" charset="-127"/>
-                <a:ea typeface="IBM Plex Sans KR SemiBold" panose="020B0703050203000203" pitchFamily="50" charset="-127"/>
-              </a:endParaRPr>
             </a:p>
           </p:txBody>
         </p:sp>
@@ -8137,7 +8081,7 @@
             <a:lstStyle/>
             <a:p>
               <a:r>
-                <a:rPr lang="en-US" altLang="ko-KR" sz="3600" dirty="0" smtClean="0">
+                <a:rPr lang="en-US" altLang="ko-KR" sz="3600" dirty="0">
                   <a:ln>
                     <a:solidFill>
                       <a:srgbClr val="1D4098">
@@ -8228,7 +8172,7 @@
               </a:lnSpc>
             </a:pPr>
             <a:r>
-              <a:rPr lang="ko-KR" altLang="en-US" baseline="-25000" dirty="0" smtClean="0">
+              <a:rPr lang="ko-KR" altLang="en-US" baseline="-25000" dirty="0">
                 <a:ln>
                   <a:solidFill>
                     <a:srgbClr val="1D4098">
@@ -8242,43 +8186,9 @@
                 <a:latin typeface="IBM Plex Sans KR Light" panose="020B0403050203000203" pitchFamily="50" charset="-127"/>
                 <a:ea typeface="IBM Plex Sans KR Light" panose="020B0403050203000203" pitchFamily="50" charset="-127"/>
               </a:rPr>
-              <a:t>관심 </a:t>
-            </a:r>
-            <a:r>
-              <a:rPr lang="ko-KR" altLang="en-US" baseline="-25000" dirty="0">
-                <a:ln>
-                  <a:solidFill>
-                    <a:srgbClr val="1D4098">
-                      <a:alpha val="0"/>
-                    </a:srgbClr>
-                  </a:solidFill>
-                </a:ln>
-                <a:solidFill>
-                  <a:schemeClr val="bg1"/>
-                </a:solidFill>
-                <a:latin typeface="IBM Plex Sans KR Light" panose="020B0403050203000203" pitchFamily="50" charset="-127"/>
-                <a:ea typeface="IBM Plex Sans KR Light" panose="020B0403050203000203" pitchFamily="50" charset="-127"/>
-              </a:rPr>
-              <a:t>지역을 이용하여 평소 검색하는 지역들을 등록 해 편리하게 매매 검색을 </a:t>
-            </a:r>
-            <a:r>
-              <a:rPr lang="ko-KR" altLang="en-US" baseline="-25000" dirty="0" smtClean="0">
-                <a:ln>
-                  <a:solidFill>
-                    <a:srgbClr val="1D4098">
-                      <a:alpha val="0"/>
-                    </a:srgbClr>
-                  </a:solidFill>
-                </a:ln>
-                <a:solidFill>
-                  <a:schemeClr val="bg1"/>
-                </a:solidFill>
-                <a:latin typeface="IBM Plex Sans KR Light" panose="020B0403050203000203" pitchFamily="50" charset="-127"/>
-                <a:ea typeface="IBM Plex Sans KR Light" panose="020B0403050203000203" pitchFamily="50" charset="-127"/>
-              </a:rPr>
-              <a:t>이용 가능</a:t>
-            </a:r>
-            <a:endParaRPr lang="en-US" altLang="ko-KR" baseline="-25000" dirty="0" smtClean="0">
+              <a:t>관심 지역을 이용하여 평소 검색하는 지역들을 등록 해 편리하게 매매 검색을 이용 가능</a:t>
+            </a:r>
+            <a:endParaRPr lang="en-US" altLang="ko-KR" baseline="-25000" dirty="0">
               <a:ln>
                 <a:solidFill>
                   <a:srgbClr val="1D4098">
@@ -8300,7 +8210,7 @@
               </a:lnSpc>
             </a:pPr>
             <a:r>
-              <a:rPr lang="ko-KR" altLang="en-US" baseline="-25000" dirty="0" smtClean="0">
+              <a:rPr lang="ko-KR" altLang="en-US" baseline="-25000" dirty="0">
                 <a:ln>
                   <a:solidFill>
                     <a:srgbClr val="1D4098">
@@ -8317,7 +8227,7 @@
               <a:t>건물 정보 클릭 시 </a:t>
             </a:r>
             <a:r>
-              <a:rPr lang="ko-KR" altLang="en-US" baseline="-25000" dirty="0" err="1" smtClean="0">
+              <a:rPr lang="ko-KR" altLang="en-US" baseline="-25000" dirty="0" err="1">
                 <a:ln>
                   <a:solidFill>
                     <a:srgbClr val="1D4098">
@@ -8334,7 +8244,7 @@
               <a:t>로드뷰를</a:t>
             </a:r>
             <a:r>
-              <a:rPr lang="ko-KR" altLang="en-US" baseline="-25000" dirty="0" smtClean="0">
+              <a:rPr lang="ko-KR" altLang="en-US" baseline="-25000" dirty="0">
                 <a:ln>
                   <a:solidFill>
                     <a:srgbClr val="1D4098">
@@ -8351,7 +8261,7 @@
               <a:t> 통해 주변환경을 둘러 볼 수 있음</a:t>
             </a:r>
             <a:r>
-              <a:rPr lang="ko-KR" altLang="en-US" dirty="0" smtClean="0">
+              <a:rPr lang="ko-KR" altLang="en-US" dirty="0">
                 <a:ln>
                   <a:solidFill>
                     <a:srgbClr val="1D4098">
@@ -8629,7 +8539,7 @@
           <a:p>
             <a:pPr algn="ctr"/>
             <a:r>
-              <a:rPr lang="ko-KR" altLang="en-US" sz="1600" b="1" dirty="0" smtClean="0">
+              <a:rPr lang="ko-KR" altLang="en-US" sz="1600" b="1" dirty="0">
                 <a:ln>
                   <a:solidFill>
                     <a:srgbClr val="1D4098">
@@ -8648,23 +8558,6 @@
               </a:rPr>
               <a:t>장점</a:t>
             </a:r>
-            <a:endParaRPr lang="ko-KR" altLang="en-US" sz="1600" b="1" dirty="0">
-              <a:ln>
-                <a:solidFill>
-                  <a:srgbClr val="1D4098">
-                    <a:alpha val="0"/>
-                  </a:srgbClr>
-                </a:solidFill>
-              </a:ln>
-              <a:solidFill>
-                <a:schemeClr val="tx1">
-                  <a:lumMod val="75000"/>
-                  <a:lumOff val="25000"/>
-                </a:schemeClr>
-              </a:solidFill>
-              <a:latin typeface="IBM Plex Sans KR Medium" panose="020B0603050203000203" pitchFamily="50" charset="-127"/>
-              <a:ea typeface="IBM Plex Sans KR Medium" panose="020B0603050203000203" pitchFamily="50" charset="-127"/>
-            </a:endParaRPr>
           </a:p>
         </p:txBody>
       </p:sp>
@@ -8872,7 +8765,7 @@
           <a:p>
             <a:pPr algn="ctr"/>
             <a:r>
-              <a:rPr lang="ko-KR" altLang="en-US" dirty="0" err="1" smtClean="0">
+              <a:rPr lang="ko-KR" altLang="en-US" dirty="0" err="1">
                 <a:solidFill>
                   <a:schemeClr val="tx1"/>
                 </a:solidFill>
@@ -9007,10 +8900,17 @@
                 <a:latin typeface="IBM Plex Sans KR Light" panose="020B0403050203000203" pitchFamily="50" charset="-127"/>
                 <a:ea typeface="IBM Plex Sans KR Light" panose="020B0403050203000203" pitchFamily="50" charset="-127"/>
               </a:rPr>
-              <a:t>원룸 등 다양한 종류의 건물 정보 </a:t>
-            </a:r>
-            <a:r>
-              <a:rPr lang="ko-KR" altLang="en-US" sz="2000" baseline="-25000" dirty="0" smtClean="0">
+              <a:t>원룸 등 다양한 종류의 건물 정보 제공</a:t>
+            </a:r>
+          </a:p>
+          <a:p>
+            <a:pPr algn="r">
+              <a:lnSpc>
+                <a:spcPct val="150000"/>
+              </a:lnSpc>
+            </a:pPr>
+            <a:r>
+              <a:rPr lang="ko-KR" altLang="en-US" sz="2000" baseline="-25000" dirty="0">
                 <a:ln>
                   <a:solidFill>
                     <a:srgbClr val="1D4098">
@@ -9024,9 +8924,77 @@
                 <a:latin typeface="IBM Plex Sans KR Light" panose="020B0403050203000203" pitchFamily="50" charset="-127"/>
                 <a:ea typeface="IBM Plex Sans KR Light" panose="020B0403050203000203" pitchFamily="50" charset="-127"/>
               </a:rPr>
-              <a:t>제공</a:t>
-            </a:r>
-            <a:endParaRPr lang="ko-KR" altLang="en-US" sz="2000" baseline="-25000" dirty="0">
+              <a:t>전세</a:t>
+            </a:r>
+            <a:r>
+              <a:rPr lang="en-US" altLang="ko-KR" sz="2000" baseline="-25000" dirty="0">
+                <a:ln>
+                  <a:solidFill>
+                    <a:srgbClr val="1D4098">
+                      <a:alpha val="0"/>
+                    </a:srgbClr>
+                  </a:solidFill>
+                </a:ln>
+                <a:solidFill>
+                  <a:schemeClr val="bg1"/>
+                </a:solidFill>
+                <a:latin typeface="IBM Plex Sans KR Light" panose="020B0403050203000203" pitchFamily="50" charset="-127"/>
+                <a:ea typeface="IBM Plex Sans KR Light" panose="020B0403050203000203" pitchFamily="50" charset="-127"/>
+              </a:rPr>
+              <a:t>, </a:t>
+            </a:r>
+            <a:r>
+              <a:rPr lang="ko-KR" altLang="en-US" sz="2000" baseline="-25000" dirty="0">
+                <a:ln>
+                  <a:solidFill>
+                    <a:srgbClr val="1D4098">
+                      <a:alpha val="0"/>
+                    </a:srgbClr>
+                  </a:solidFill>
+                </a:ln>
+                <a:solidFill>
+                  <a:schemeClr val="bg1"/>
+                </a:solidFill>
+                <a:latin typeface="IBM Plex Sans KR Light" panose="020B0403050203000203" pitchFamily="50" charset="-127"/>
+                <a:ea typeface="IBM Plex Sans KR Light" panose="020B0403050203000203" pitchFamily="50" charset="-127"/>
+              </a:rPr>
+              <a:t>월세</a:t>
+            </a:r>
+            <a:r>
+              <a:rPr lang="en-US" altLang="ko-KR" sz="2000" baseline="-25000" dirty="0">
+                <a:ln>
+                  <a:solidFill>
+                    <a:srgbClr val="1D4098">
+                      <a:alpha val="0"/>
+                    </a:srgbClr>
+                  </a:solidFill>
+                </a:ln>
+                <a:solidFill>
+                  <a:schemeClr val="bg1"/>
+                </a:solidFill>
+                <a:latin typeface="IBM Plex Sans KR Light" panose="020B0403050203000203" pitchFamily="50" charset="-127"/>
+                <a:ea typeface="IBM Plex Sans KR Light" panose="020B0403050203000203" pitchFamily="50" charset="-127"/>
+              </a:rPr>
+              <a:t>, </a:t>
+            </a:r>
+            <a:r>
+              <a:rPr lang="ko-KR" altLang="en-US" sz="2000" baseline="-25000" dirty="0">
+                <a:ln>
+                  <a:solidFill>
+                    <a:srgbClr val="1D4098">
+                      <a:alpha val="0"/>
+                    </a:srgbClr>
+                  </a:solidFill>
+                </a:ln>
+                <a:solidFill>
+                  <a:schemeClr val="bg1"/>
+                </a:solidFill>
+                <a:latin typeface="IBM Plex Sans KR Light" panose="020B0403050203000203" pitchFamily="50" charset="-127"/>
+                <a:ea typeface="IBM Plex Sans KR Light" panose="020B0403050203000203" pitchFamily="50" charset="-127"/>
+              </a:rPr>
+              <a:t>매매의 거래 유형 제공</a:t>
+            </a:r>
+            <a:endParaRPr lang="en-US" altLang="ko-KR" sz="2000" baseline="-25000" dirty="0">
               <a:ln>
                 <a:solidFill>
                   <a:srgbClr val="1D4098">
@@ -9062,7 +9030,7 @@
                 <a:latin typeface="IBM Plex Sans KR Light" panose="020B0403050203000203" pitchFamily="50" charset="-127"/>
                 <a:ea typeface="IBM Plex Sans KR Light" panose="020B0403050203000203" pitchFamily="50" charset="-127"/>
               </a:rPr>
-              <a:t>전세</a:t>
+              <a:t>면적</a:t>
             </a:r>
             <a:r>
               <a:rPr lang="en-US" altLang="ko-KR" sz="2000" baseline="-25000" dirty="0">
@@ -9096,7 +9064,7 @@
                 <a:latin typeface="IBM Plex Sans KR Light" panose="020B0403050203000203" pitchFamily="50" charset="-127"/>
                 <a:ea typeface="IBM Plex Sans KR Light" panose="020B0403050203000203" pitchFamily="50" charset="-127"/>
               </a:rPr>
-              <a:t>월세</a:t>
+              <a:t>준공 년도</a:t>
             </a:r>
             <a:r>
               <a:rPr lang="en-US" altLang="ko-KR" sz="2000" baseline="-25000" dirty="0">
@@ -9130,179 +9098,8 @@
                 <a:latin typeface="IBM Plex Sans KR Light" panose="020B0403050203000203" pitchFamily="50" charset="-127"/>
                 <a:ea typeface="IBM Plex Sans KR Light" panose="020B0403050203000203" pitchFamily="50" charset="-127"/>
               </a:rPr>
-              <a:t>매매의 거래 유형 </a:t>
-            </a:r>
-            <a:r>
-              <a:rPr lang="ko-KR" altLang="en-US" sz="2000" baseline="-25000" dirty="0" smtClean="0">
-                <a:ln>
-                  <a:solidFill>
-                    <a:srgbClr val="1D4098">
-                      <a:alpha val="0"/>
-                    </a:srgbClr>
-                  </a:solidFill>
-                </a:ln>
-                <a:solidFill>
-                  <a:schemeClr val="bg1"/>
-                </a:solidFill>
-                <a:latin typeface="IBM Plex Sans KR Light" panose="020B0403050203000203" pitchFamily="50" charset="-127"/>
-                <a:ea typeface="IBM Plex Sans KR Light" panose="020B0403050203000203" pitchFamily="50" charset="-127"/>
-              </a:rPr>
-              <a:t>제공</a:t>
-            </a:r>
-            <a:endParaRPr lang="en-US" altLang="ko-KR" sz="2000" baseline="-25000" dirty="0">
-              <a:ln>
-                <a:solidFill>
-                  <a:srgbClr val="1D4098">
-                    <a:alpha val="0"/>
-                  </a:srgbClr>
-                </a:solidFill>
-              </a:ln>
-              <a:solidFill>
-                <a:schemeClr val="bg1"/>
-              </a:solidFill>
-              <a:latin typeface="IBM Plex Sans KR Light" panose="020B0403050203000203" pitchFamily="50" charset="-127"/>
-              <a:ea typeface="IBM Plex Sans KR Light" panose="020B0403050203000203" pitchFamily="50" charset="-127"/>
-            </a:endParaRPr>
-          </a:p>
-          <a:p>
-            <a:pPr algn="r">
-              <a:lnSpc>
-                <a:spcPct val="150000"/>
-              </a:lnSpc>
-            </a:pPr>
-            <a:r>
-              <a:rPr lang="ko-KR" altLang="en-US" sz="2000" baseline="-25000" dirty="0">
-                <a:ln>
-                  <a:solidFill>
-                    <a:srgbClr val="1D4098">
-                      <a:alpha val="0"/>
-                    </a:srgbClr>
-                  </a:solidFill>
-                </a:ln>
-                <a:solidFill>
-                  <a:schemeClr val="bg1"/>
-                </a:solidFill>
-                <a:latin typeface="IBM Plex Sans KR Light" panose="020B0403050203000203" pitchFamily="50" charset="-127"/>
-                <a:ea typeface="IBM Plex Sans KR Light" panose="020B0403050203000203" pitchFamily="50" charset="-127"/>
-              </a:rPr>
-              <a:t>면적</a:t>
-            </a:r>
-            <a:r>
-              <a:rPr lang="en-US" altLang="ko-KR" sz="2000" baseline="-25000" dirty="0">
-                <a:ln>
-                  <a:solidFill>
-                    <a:srgbClr val="1D4098">
-                      <a:alpha val="0"/>
-                    </a:srgbClr>
-                  </a:solidFill>
-                </a:ln>
-                <a:solidFill>
-                  <a:schemeClr val="bg1"/>
-                </a:solidFill>
-                <a:latin typeface="IBM Plex Sans KR Light" panose="020B0403050203000203" pitchFamily="50" charset="-127"/>
-                <a:ea typeface="IBM Plex Sans KR Light" panose="020B0403050203000203" pitchFamily="50" charset="-127"/>
-              </a:rPr>
-              <a:t>, </a:t>
-            </a:r>
-            <a:r>
-              <a:rPr lang="ko-KR" altLang="en-US" sz="2000" baseline="-25000" dirty="0" smtClean="0">
-                <a:ln>
-                  <a:solidFill>
-                    <a:srgbClr val="1D4098">
-                      <a:alpha val="0"/>
-                    </a:srgbClr>
-                  </a:solidFill>
-                </a:ln>
-                <a:solidFill>
-                  <a:schemeClr val="bg1"/>
-                </a:solidFill>
-                <a:latin typeface="IBM Plex Sans KR Light" panose="020B0403050203000203" pitchFamily="50" charset="-127"/>
-                <a:ea typeface="IBM Plex Sans KR Light" panose="020B0403050203000203" pitchFamily="50" charset="-127"/>
-              </a:rPr>
-              <a:t>준공 년도</a:t>
-            </a:r>
-            <a:r>
-              <a:rPr lang="en-US" altLang="ko-KR" sz="2000" baseline="-25000" dirty="0">
-                <a:ln>
-                  <a:solidFill>
-                    <a:srgbClr val="1D4098">
-                      <a:alpha val="0"/>
-                    </a:srgbClr>
-                  </a:solidFill>
-                </a:ln>
-                <a:solidFill>
-                  <a:schemeClr val="bg1"/>
-                </a:solidFill>
-                <a:latin typeface="IBM Plex Sans KR Light" panose="020B0403050203000203" pitchFamily="50" charset="-127"/>
-                <a:ea typeface="IBM Plex Sans KR Light" panose="020B0403050203000203" pitchFamily="50" charset="-127"/>
-              </a:rPr>
-              <a:t>, </a:t>
-            </a:r>
-            <a:r>
-              <a:rPr lang="ko-KR" altLang="en-US" sz="2000" baseline="-25000" dirty="0" smtClean="0">
-                <a:ln>
-                  <a:solidFill>
-                    <a:srgbClr val="1D4098">
-                      <a:alpha val="0"/>
-                    </a:srgbClr>
-                  </a:solidFill>
-                </a:ln>
-                <a:solidFill>
-                  <a:schemeClr val="bg1"/>
-                </a:solidFill>
-                <a:latin typeface="IBM Plex Sans KR Light" panose="020B0403050203000203" pitchFamily="50" charset="-127"/>
-                <a:ea typeface="IBM Plex Sans KR Light" panose="020B0403050203000203" pitchFamily="50" charset="-127"/>
-              </a:rPr>
-              <a:t>세대 수에 </a:t>
-            </a:r>
-            <a:r>
-              <a:rPr lang="ko-KR" altLang="en-US" sz="2000" baseline="-25000" dirty="0">
-                <a:ln>
-                  <a:solidFill>
-                    <a:srgbClr val="1D4098">
-                      <a:alpha val="0"/>
-                    </a:srgbClr>
-                  </a:solidFill>
-                </a:ln>
-                <a:solidFill>
-                  <a:schemeClr val="bg1"/>
-                </a:solidFill>
-                <a:latin typeface="IBM Plex Sans KR Light" panose="020B0403050203000203" pitchFamily="50" charset="-127"/>
-                <a:ea typeface="IBM Plex Sans KR Light" panose="020B0403050203000203" pitchFamily="50" charset="-127"/>
-              </a:rPr>
-              <a:t>따른 필터 </a:t>
-            </a:r>
-            <a:r>
-              <a:rPr lang="ko-KR" altLang="en-US" sz="2000" baseline="-25000" dirty="0" smtClean="0">
-                <a:ln>
-                  <a:solidFill>
-                    <a:srgbClr val="1D4098">
-                      <a:alpha val="0"/>
-                    </a:srgbClr>
-                  </a:solidFill>
-                </a:ln>
-                <a:solidFill>
-                  <a:schemeClr val="bg1"/>
-                </a:solidFill>
-                <a:latin typeface="IBM Plex Sans KR Light" panose="020B0403050203000203" pitchFamily="50" charset="-127"/>
-                <a:ea typeface="IBM Plex Sans KR Light" panose="020B0403050203000203" pitchFamily="50" charset="-127"/>
-              </a:rPr>
-              <a:t>제공</a:t>
-            </a:r>
-            <a:endParaRPr lang="ko-KR" altLang="en-US" sz="2000" baseline="-25000" dirty="0">
-              <a:ln>
-                <a:solidFill>
-                  <a:srgbClr val="1D4098">
-                    <a:alpha val="0"/>
-                  </a:srgbClr>
-                </a:solidFill>
-              </a:ln>
-              <a:solidFill>
-                <a:schemeClr val="bg1"/>
-              </a:solidFill>
-              <a:latin typeface="IBM Plex Sans KR Light" panose="020B0403050203000203" pitchFamily="50" charset="-127"/>
-              <a:ea typeface="IBM Plex Sans KR Light" panose="020B0403050203000203" pitchFamily="50" charset="-127"/>
-            </a:endParaRPr>
+              <a:t>세대 수에 따른 필터 제공</a:t>
+            </a:r>
           </a:p>
         </p:txBody>
       </p:sp>
@@ -9414,45 +9211,8 @@
                 <a:latin typeface="IBM Plex Sans KR Medium" panose="020B0603050203000203" pitchFamily="50" charset="-127"/>
                 <a:ea typeface="IBM Plex Sans KR Medium" panose="020B0603050203000203" pitchFamily="50" charset="-127"/>
               </a:rPr>
-              <a:t>단</a:t>
-            </a:r>
-            <a:r>
-              <a:rPr lang="ko-KR" altLang="en-US" sz="1600" b="1" dirty="0" smtClean="0">
-                <a:ln>
-                  <a:solidFill>
-                    <a:srgbClr val="1D4098">
-                      <a:alpha val="0"/>
-                    </a:srgbClr>
-                  </a:solidFill>
-                </a:ln>
-                <a:solidFill>
-                  <a:schemeClr val="tx1">
-                    <a:lumMod val="75000"/>
-                    <a:lumOff val="25000"/>
-                  </a:schemeClr>
-                </a:solidFill>
-                <a:latin typeface="IBM Plex Sans KR Medium" panose="020B0603050203000203" pitchFamily="50" charset="-127"/>
-                <a:ea typeface="IBM Plex Sans KR Medium" panose="020B0603050203000203" pitchFamily="50" charset="-127"/>
-              </a:rPr>
-              <a:t>점</a:t>
-            </a:r>
-            <a:endParaRPr lang="ko-KR" altLang="en-US" sz="1600" b="1" dirty="0">
-              <a:ln>
-                <a:solidFill>
-                  <a:srgbClr val="1D4098">
-                    <a:alpha val="0"/>
-                  </a:srgbClr>
-                </a:solidFill>
-              </a:ln>
-              <a:solidFill>
-                <a:schemeClr val="tx1">
-                  <a:lumMod val="75000"/>
-                  <a:lumOff val="25000"/>
-                </a:schemeClr>
-              </a:solidFill>
-              <a:latin typeface="IBM Plex Sans KR Medium" panose="020B0603050203000203" pitchFamily="50" charset="-127"/>
-              <a:ea typeface="IBM Plex Sans KR Medium" panose="020B0603050203000203" pitchFamily="50" charset="-127"/>
-            </a:endParaRPr>
+              <a:t>단점</a:t>
+            </a:r>
           </a:p>
         </p:txBody>
       </p:sp>
@@ -9490,7 +9250,7 @@
               </a:lnSpc>
             </a:pPr>
             <a:r>
-              <a:rPr lang="ko-KR" altLang="en-US" sz="2000" baseline="-25000" dirty="0" smtClean="0">
+              <a:rPr lang="ko-KR" altLang="en-US" sz="2000" baseline="-25000" dirty="0">
                 <a:ln>
                   <a:solidFill>
                     <a:srgbClr val="1D4098">
@@ -9504,10 +9264,10 @@
                 <a:latin typeface="IBM Plex Sans KR Light" panose="020B0403050203000203" pitchFamily="50" charset="-127"/>
                 <a:ea typeface="IBM Plex Sans KR Light" panose="020B0403050203000203" pitchFamily="50" charset="-127"/>
               </a:rPr>
-              <a:t>자주 찾는 </a:t>
-            </a:r>
-            <a:r>
-              <a:rPr lang="ko-KR" altLang="en-US" sz="2000" baseline="-25000" dirty="0">
+              <a:t>자주 찾는 매매 정보를 검색 시</a:t>
+            </a:r>
+            <a:r>
+              <a:rPr lang="en-US" altLang="ko-KR" sz="2000" dirty="0">
                 <a:ln>
                   <a:solidFill>
                     <a:srgbClr val="1D4098">
@@ -9521,10 +9281,10 @@
                 <a:latin typeface="IBM Plex Sans KR Light" panose="020B0403050203000203" pitchFamily="50" charset="-127"/>
                 <a:ea typeface="IBM Plex Sans KR Light" panose="020B0403050203000203" pitchFamily="50" charset="-127"/>
               </a:rPr>
-              <a:t>매매 정보를 검색 </a:t>
-            </a:r>
-            <a:r>
-              <a:rPr lang="ko-KR" altLang="en-US" sz="2000" baseline="-25000" dirty="0" smtClean="0">
+              <a:t> </a:t>
+            </a:r>
+            <a:r>
+              <a:rPr lang="ko-KR" altLang="en-US" sz="2000" baseline="-25000" dirty="0">
                 <a:ln>
                   <a:solidFill>
                     <a:srgbClr val="1D4098">
@@ -9538,43 +9298,9 @@
                 <a:latin typeface="IBM Plex Sans KR Light" panose="020B0403050203000203" pitchFamily="50" charset="-127"/>
                 <a:ea typeface="IBM Plex Sans KR Light" panose="020B0403050203000203" pitchFamily="50" charset="-127"/>
               </a:rPr>
-              <a:t>시</a:t>
-            </a:r>
-            <a:r>
-              <a:rPr lang="en-US" altLang="ko-KR" sz="2000" dirty="0">
-                <a:ln>
-                  <a:solidFill>
-                    <a:srgbClr val="1D4098">
-                      <a:alpha val="0"/>
-                    </a:srgbClr>
-                  </a:solidFill>
-                </a:ln>
-                <a:solidFill>
-                  <a:schemeClr val="bg1"/>
-                </a:solidFill>
-                <a:latin typeface="IBM Plex Sans KR Light" panose="020B0403050203000203" pitchFamily="50" charset="-127"/>
-                <a:ea typeface="IBM Plex Sans KR Light" panose="020B0403050203000203" pitchFamily="50" charset="-127"/>
-              </a:rPr>
-              <a:t> </a:t>
-            </a:r>
-            <a:r>
-              <a:rPr lang="ko-KR" altLang="en-US" sz="2000" baseline="-25000" dirty="0" smtClean="0">
-                <a:ln>
-                  <a:solidFill>
-                    <a:srgbClr val="1D4098">
-                      <a:alpha val="0"/>
-                    </a:srgbClr>
-                  </a:solidFill>
-                </a:ln>
-                <a:solidFill>
-                  <a:schemeClr val="bg1"/>
-                </a:solidFill>
-                <a:latin typeface="IBM Plex Sans KR Light" panose="020B0403050203000203" pitchFamily="50" charset="-127"/>
-                <a:ea typeface="IBM Plex Sans KR Light" panose="020B0403050203000203" pitchFamily="50" charset="-127"/>
-              </a:rPr>
               <a:t>즐겨 찾기와 같은 편의 기능이 부실</a:t>
             </a:r>
-            <a:endParaRPr lang="en-US" altLang="ko-KR" sz="2000" baseline="-25000" dirty="0" smtClean="0">
+            <a:endParaRPr lang="en-US" altLang="ko-KR" sz="2000" baseline="-25000" dirty="0">
               <a:ln>
                 <a:solidFill>
                   <a:srgbClr val="1D4098">
@@ -9595,7 +9321,7 @@
                 <a:spcPct val="150000"/>
               </a:lnSpc>
             </a:pPr>
-            <a:endParaRPr lang="en-US" altLang="ko-KR" sz="2000" baseline="-25000" dirty="0" smtClean="0">
+            <a:endParaRPr lang="en-US" altLang="ko-KR" sz="2000" baseline="-25000" dirty="0">
               <a:ln>
                 <a:solidFill>
                   <a:srgbClr val="1D4098">
@@ -9655,13 +9381,6 @@
       </p:transition>
     </mc:Fallback>
   </mc:AlternateContent>
-  <p:timing>
-    <p:tnLst>
-      <p:par>
-        <p:cTn id="1" dur="indefinite" restart="never" nodeType="tmRoot"/>
-      </p:par>
-    </p:tnLst>
-  </p:timing>
 </p:sld>
 </file>
 
@@ -10196,13 +9915,6 @@
       </p:transition>
     </mc:Fallback>
   </mc:AlternateContent>
-  <p:timing>
-    <p:tnLst>
-      <p:par>
-        <p:cTn id="1" dur="indefinite" restart="never" nodeType="tmRoot"/>
-      </p:par>
-    </p:tnLst>
-  </p:timing>
 </p:sld>
 </file>
 
@@ -10739,7 +10451,7 @@
           <a:p>
             <a:pPr algn="ctr"/>
             <a:r>
-              <a:rPr lang="ko-KR" altLang="en-US" b="1" dirty="0" err="1" smtClean="0">
+              <a:rPr lang="ko-KR" altLang="en-US" b="1" dirty="0" err="1">
                 <a:ln>
                   <a:solidFill>
                     <a:srgbClr val="1D4098">
@@ -10908,7 +10620,7 @@
           <a:p>
             <a:pPr algn="ctr"/>
             <a:r>
-              <a:rPr lang="en-US" altLang="ko-KR" b="1" dirty="0" smtClean="0">
+              <a:rPr lang="en-US" altLang="ko-KR" b="1" dirty="0">
                 <a:ln>
                   <a:solidFill>
                     <a:srgbClr val="1D4098">
@@ -11005,7 +10717,7 @@
           <a:p>
             <a:pPr algn="ctr"/>
             <a:r>
-              <a:rPr lang="en-US" altLang="ko-KR" b="1" dirty="0" smtClean="0">
+              <a:rPr lang="en-US" altLang="ko-KR" b="1" dirty="0">
                 <a:ln>
                   <a:solidFill>
                     <a:srgbClr val="1D4098">
@@ -11102,7 +10814,7 @@
           <a:p>
             <a:pPr algn="ctr"/>
             <a:r>
-              <a:rPr lang="en-US" altLang="ko-KR" b="1" dirty="0" smtClean="0">
+              <a:rPr lang="en-US" altLang="ko-KR" b="1" dirty="0">
                 <a:ln>
                   <a:solidFill>
                     <a:srgbClr val="1D4098">
@@ -11163,13 +10875,6 @@
       </p:transition>
     </mc:Fallback>
   </mc:AlternateContent>
-  <p:timing>
-    <p:tnLst>
-      <p:par>
-        <p:cTn id="1" dur="indefinite" restart="never" nodeType="tmRoot"/>
-      </p:par>
-    </p:tnLst>
-  </p:timing>
 </p:sld>
 </file>
 
@@ -11706,7 +11411,7 @@
           <a:p>
             <a:pPr algn="ctr"/>
             <a:r>
-              <a:rPr lang="ko-KR" altLang="en-US" b="1" dirty="0" err="1" smtClean="0">
+              <a:rPr lang="ko-KR" altLang="en-US" b="1" dirty="0" err="1">
                 <a:ln>
                   <a:solidFill>
                     <a:srgbClr val="1D4098">
@@ -11852,7 +11557,7 @@
           <a:p>
             <a:pPr algn="ctr"/>
             <a:r>
-              <a:rPr lang="en-US" altLang="ko-KR" b="1" dirty="0" smtClean="0">
+              <a:rPr lang="en-US" altLang="ko-KR" b="1" dirty="0">
                 <a:ln>
                   <a:solidFill>
                     <a:srgbClr val="1D4098">
@@ -11949,7 +11654,7 @@
           <a:p>
             <a:pPr algn="ctr"/>
             <a:r>
-              <a:rPr lang="en-US" altLang="ko-KR" b="1" dirty="0" smtClean="0">
+              <a:rPr lang="en-US" altLang="ko-KR" b="1" dirty="0">
                 <a:ln>
                   <a:solidFill>
                     <a:srgbClr val="1D4098">
@@ -12046,7 +11751,7 @@
           <a:p>
             <a:pPr algn="ctr"/>
             <a:r>
-              <a:rPr lang="en-US" altLang="ko-KR" b="1" dirty="0" smtClean="0">
+              <a:rPr lang="en-US" altLang="ko-KR" b="1" dirty="0">
                 <a:ln>
                   <a:solidFill>
                     <a:srgbClr val="1D4098">
@@ -12178,13 +11883,6 @@
       </p:transition>
     </mc:Fallback>
   </mc:AlternateContent>
-  <p:timing>
-    <p:tnLst>
-      <p:par>
-        <p:cTn id="1" dur="indefinite" restart="never" nodeType="tmRoot"/>
-      </p:par>
-    </p:tnLst>
-  </p:timing>
 </p:sld>
 </file>
 
@@ -12581,7 +12279,7 @@
             <a:p>
               <a:pPr algn="ctr"/>
               <a:r>
-                <a:rPr lang="ko-KR" altLang="en-US" sz="4000" dirty="0" smtClean="0">
+                <a:rPr lang="ko-KR" altLang="en-US" sz="4000" dirty="0">
                   <a:ln>
                     <a:solidFill>
                       <a:srgbClr val="1D4098">
@@ -12597,20 +12295,6 @@
                 </a:rPr>
                 <a:t>시연 동영상</a:t>
               </a:r>
-              <a:endParaRPr lang="ko-KR" altLang="en-US" sz="4000" dirty="0">
-                <a:ln>
-                  <a:solidFill>
-                    <a:srgbClr val="1D4098">
-                      <a:alpha val="0"/>
-                    </a:srgbClr>
-                  </a:solidFill>
-                </a:ln>
-                <a:solidFill>
-                  <a:schemeClr val="bg1"/>
-                </a:solidFill>
-                <a:latin typeface="IBM Plex Sans KR SemiBold" panose="020B0703050203000203" pitchFamily="50" charset="-127"/>
-                <a:ea typeface="IBM Plex Sans KR SemiBold" panose="020B0703050203000203" pitchFamily="50" charset="-127"/>
-              </a:endParaRPr>
             </a:p>
           </p:txBody>
         </p:sp>
@@ -12716,13 +12400,6 @@
       </p:transition>
     </mc:Fallback>
   </mc:AlternateContent>
-  <p:timing>
-    <p:tnLst>
-      <p:par>
-        <p:cTn id="1" dur="indefinite" restart="never" nodeType="tmRoot"/>
-      </p:par>
-    </p:tnLst>
-  </p:timing>
 </p:sld>
 </file>
 
@@ -13099,7 +12776,14 @@
       </p:sp>
       <p:pic>
         <p:nvPicPr>
-          <p:cNvPr id="3" name="CVSVlBV4RWI"/>
+          <p:cNvPr id="2" name="온라인 미디어 1" title="rhksxhdvmfhwprxm">
+            <a:hlinkClick r:id="" action="ppaction://media"/>
+            <a:extLst>
+              <a:ext uri="{FF2B5EF4-FFF2-40B4-BE49-F238E27FC236}">
+                <a16:creationId xmlns:a16="http://schemas.microsoft.com/office/drawing/2014/main" id="{AD77F0EF-08CF-3C89-9432-ED89E913EAF9}"/>
+              </a:ext>
+            </a:extLst>
+          </p:cNvPr>
           <p:cNvPicPr>
             <a:picLocks noRot="1" noChangeAspect="1"/>
           </p:cNvPicPr>
@@ -13115,8 +12799,8 @@
         </p:blipFill>
         <p:spPr>
           <a:xfrm>
-            <a:off x="0" y="0"/>
-            <a:ext cx="12191998" cy="6858000"/>
+            <a:off x="15160" y="0"/>
+            <a:ext cx="12176840" cy="6879915"/>
           </a:xfrm>
           <a:prstGeom prst="rect">
             <a:avLst/>
@@ -13148,7 +12832,135 @@
   <p:timing>
     <p:tnLst>
       <p:par>
-        <p:cTn id="1" dur="indefinite" restart="never" nodeType="tmRoot"/>
+        <p:cTn id="1" dur="indefinite" restart="never" nodeType="tmRoot">
+          <p:childTnLst>
+            <p:seq concurrent="1" nextAc="seek">
+              <p:cTn id="2" dur="indefinite" nodeType="mainSeq">
+                <p:childTnLst>
+                  <p:par>
+                    <p:cTn id="3" fill="hold">
+                      <p:stCondLst>
+                        <p:cond delay="indefinite"/>
+                      </p:stCondLst>
+                      <p:childTnLst>
+                        <p:par>
+                          <p:cTn id="4" fill="hold">
+                            <p:stCondLst>
+                              <p:cond delay="0"/>
+                            </p:stCondLst>
+                            <p:childTnLst>
+                              <p:par>
+                                <p:cTn id="5" presetID="1" presetClass="mediacall" presetSubtype="0" fill="hold" nodeType="clickEffect">
+                                  <p:stCondLst>
+                                    <p:cond delay="0"/>
+                                  </p:stCondLst>
+                                  <p:childTnLst>
+                                    <p:cmd type="call" cmd="playFrom(0.0)">
+                                      <p:cBhvr>
+                                        <p:cTn id="6" dur="1" fill="hold"/>
+                                        <p:tgtEl>
+                                          <p:spTgt spid="2"/>
+                                        </p:tgtEl>
+                                      </p:cBhvr>
+                                    </p:cmd>
+                                  </p:childTnLst>
+                                </p:cTn>
+                              </p:par>
+                            </p:childTnLst>
+                          </p:cTn>
+                        </p:par>
+                      </p:childTnLst>
+                    </p:cTn>
+                  </p:par>
+                </p:childTnLst>
+              </p:cTn>
+              <p:prevCondLst>
+                <p:cond evt="onPrev" delay="0">
+                  <p:tgtEl>
+                    <p:sldTgt/>
+                  </p:tgtEl>
+                </p:cond>
+              </p:prevCondLst>
+              <p:nextCondLst>
+                <p:cond evt="onNext" delay="0">
+                  <p:tgtEl>
+                    <p:sldTgt/>
+                  </p:tgtEl>
+                </p:cond>
+              </p:nextCondLst>
+            </p:seq>
+            <p:video>
+              <p:cMediaNode vol="80000">
+                <p:cTn id="7" fill="hold" display="0">
+                  <p:stCondLst>
+                    <p:cond delay="indefinite"/>
+                  </p:stCondLst>
+                </p:cTn>
+                <p:tgtEl>
+                  <p:spTgt spid="2"/>
+                </p:tgtEl>
+              </p:cMediaNode>
+            </p:video>
+            <p:seq concurrent="1" nextAc="seek">
+              <p:cTn id="8" restart="whenNotActive" fill="hold" evtFilter="cancelBubble" nodeType="interactiveSeq">
+                <p:stCondLst>
+                  <p:cond evt="onClick" delay="0">
+                    <p:tgtEl>
+                      <p:spTgt spid="2"/>
+                    </p:tgtEl>
+                  </p:cond>
+                </p:stCondLst>
+                <p:endSync evt="end" delay="0">
+                  <p:rtn val="all"/>
+                </p:endSync>
+                <p:childTnLst>
+                  <p:par>
+                    <p:cTn id="9" fill="hold">
+                      <p:stCondLst>
+                        <p:cond delay="0"/>
+                      </p:stCondLst>
+                      <p:childTnLst>
+                        <p:par>
+                          <p:cTn id="10" fill="hold">
+                            <p:stCondLst>
+                              <p:cond delay="0"/>
+                            </p:stCondLst>
+                            <p:childTnLst>
+                              <p:par>
+                                <p:cTn id="11" presetID="2" presetClass="mediacall" presetSubtype="0" fill="hold" nodeType="clickEffect">
+                                  <p:stCondLst>
+                                    <p:cond delay="0"/>
+                                  </p:stCondLst>
+                                  <p:childTnLst>
+                                    <p:cmd type="call" cmd="togglePause">
+                                      <p:cBhvr>
+                                        <p:cTn id="12" dur="1" fill="hold"/>
+                                        <p:tgtEl>
+                                          <p:spTgt spid="2"/>
+                                        </p:tgtEl>
+                                      </p:cBhvr>
+                                    </p:cmd>
+                                  </p:childTnLst>
+                                </p:cTn>
+                              </p:par>
+                            </p:childTnLst>
+                          </p:cTn>
+                        </p:par>
+                      </p:childTnLst>
+                    </p:cTn>
+                  </p:par>
+                </p:childTnLst>
+              </p:cTn>
+              <p:nextCondLst>
+                <p:cond evt="onClick" delay="0">
+                  <p:tgtEl>
+                    <p:spTgt spid="2"/>
+                  </p:tgtEl>
+                </p:cond>
+              </p:nextCondLst>
+            </p:seq>
+          </p:childTnLst>
+        </p:cTn>
       </p:par>
     </p:tnLst>
   </p:timing>
@@ -13433,7 +13245,7 @@
             <a:lstStyle/>
             <a:p>
               <a:r>
-                <a:rPr lang="ko-KR" altLang="en-US" dirty="0" smtClean="0">
+                <a:rPr lang="ko-KR" altLang="en-US" dirty="0">
                   <a:ln>
                     <a:solidFill>
                       <a:srgbClr val="1D4098">
@@ -13706,13 +13518,6 @@
       </p:transition>
     </mc:Fallback>
   </mc:AlternateContent>
-  <p:timing>
-    <p:tnLst>
-      <p:par>
-        <p:cTn id="1" dur="indefinite" restart="never" nodeType="tmRoot"/>
-      </p:par>
-    </p:tnLst>
-  </p:timing>
 </p:sld>
 </file>
 
@@ -15268,13 +15073,6 @@
   <p:transition spd="slow">
     <p:wipe/>
   </p:transition>
-  <p:timing>
-    <p:tnLst>
-      <p:par>
-        <p:cTn id="1" dur="indefinite" restart="never" nodeType="tmRoot"/>
-      </p:par>
-    </p:tnLst>
-  </p:timing>
 </p:sld>
 </file>
 
@@ -15605,7 +15403,7 @@
             <a:lstStyle/>
             <a:p>
               <a:r>
-                <a:rPr lang="ko-KR" altLang="en-US" dirty="0" smtClean="0">
+                <a:rPr lang="ko-KR" altLang="en-US" dirty="0">
                   <a:ln>
                     <a:solidFill>
                       <a:srgbClr val="1D4098">
@@ -15866,10 +15664,9 @@
           <a:p>
             <a:pPr algn="ctr"/>
             <a:r>
-              <a:rPr lang="ko-KR" altLang="en-US" sz="1050" dirty="0" smtClean="0"/>
+              <a:rPr lang="ko-KR" altLang="en-US" sz="1050" dirty="0"/>
               <a:t>회원 목록</a:t>
             </a:r>
-            <a:endParaRPr lang="ko-KR" altLang="en-US" sz="1050" dirty="0"/>
           </a:p>
         </p:txBody>
       </p:sp>
@@ -15914,21 +15711,16 @@
             <a:pPr algn="ctr"/>
             <a:r>
               <a:rPr lang="ko-KR" altLang="en-US" sz="1050" dirty="0"/>
-              <a:t>회원</a:t>
-            </a:r>
-            <a:r>
-              <a:rPr lang="ko-KR" altLang="en-US" sz="1050" dirty="0" smtClean="0"/>
-              <a:t> 리스트 </a:t>
-            </a:r>
-            <a:endParaRPr lang="en-US" altLang="ko-KR" sz="1050" dirty="0" smtClean="0"/>
+              <a:t>회원 리스트 </a:t>
+            </a:r>
+            <a:endParaRPr lang="en-US" altLang="ko-KR" sz="1050" dirty="0"/>
           </a:p>
           <a:p>
             <a:pPr algn="ctr"/>
             <a:r>
-              <a:rPr lang="ko-KR" altLang="en-US" sz="1050" dirty="0" smtClean="0"/>
+              <a:rPr lang="ko-KR" altLang="en-US" sz="1050" dirty="0"/>
               <a:t>출력 </a:t>
             </a:r>
-            <a:endParaRPr lang="ko-KR" altLang="en-US" sz="1050" dirty="0"/>
           </a:p>
         </p:txBody>
       </p:sp>
@@ -15972,10 +15764,9 @@
           <a:p>
             <a:pPr algn="ctr"/>
             <a:r>
-              <a:rPr lang="ko-KR" altLang="en-US" sz="1050" dirty="0" smtClean="0"/>
+              <a:rPr lang="ko-KR" altLang="en-US" sz="1050" dirty="0"/>
               <a:t>회원 목록</a:t>
             </a:r>
-            <a:endParaRPr lang="ko-KR" altLang="en-US" sz="1050" dirty="0"/>
           </a:p>
         </p:txBody>
       </p:sp>
@@ -16019,10 +15810,9 @@
           <a:p>
             <a:pPr algn="ctr"/>
             <a:r>
-              <a:rPr lang="ko-KR" altLang="en-US" sz="1050" dirty="0" smtClean="0"/>
+              <a:rPr lang="ko-KR" altLang="en-US" sz="1050" dirty="0"/>
               <a:t>회원 등록</a:t>
             </a:r>
-            <a:endParaRPr lang="ko-KR" altLang="en-US" sz="1050" dirty="0"/>
           </a:p>
         </p:txBody>
       </p:sp>
@@ -16066,14 +15856,13 @@
           <a:p>
             <a:pPr algn="ctr"/>
             <a:r>
-              <a:rPr lang="en-US" altLang="ko-KR" sz="1050" dirty="0" smtClean="0"/>
+              <a:rPr lang="en-US" altLang="ko-KR" sz="1050" dirty="0"/>
               <a:t>ID</a:t>
             </a:r>
             <a:r>
-              <a:rPr lang="ko-KR" altLang="en-US" sz="1050" dirty="0" smtClean="0"/>
+              <a:rPr lang="ko-KR" altLang="en-US" sz="1050" dirty="0"/>
               <a:t> 입력</a:t>
             </a:r>
-            <a:endParaRPr lang="ko-KR" altLang="en-US" sz="1050" dirty="0"/>
           </a:p>
         </p:txBody>
       </p:sp>
@@ -16117,14 +15906,13 @@
           <a:p>
             <a:pPr algn="ctr"/>
             <a:r>
-              <a:rPr lang="en-US" altLang="ko-KR" sz="1050" dirty="0" smtClean="0"/>
+              <a:rPr lang="en-US" altLang="ko-KR" sz="1050" dirty="0"/>
               <a:t>PW </a:t>
             </a:r>
             <a:r>
-              <a:rPr lang="ko-KR" altLang="en-US" sz="1050" dirty="0" smtClean="0"/>
+              <a:rPr lang="ko-KR" altLang="en-US" sz="1050" dirty="0"/>
               <a:t>입력</a:t>
             </a:r>
-            <a:endParaRPr lang="ko-KR" altLang="en-US" sz="1050" dirty="0"/>
           </a:p>
         </p:txBody>
       </p:sp>
@@ -16168,10 +15956,9 @@
           <a:p>
             <a:pPr algn="ctr"/>
             <a:r>
-              <a:rPr lang="ko-KR" altLang="en-US" sz="1050" dirty="0" smtClean="0"/>
+              <a:rPr lang="ko-KR" altLang="en-US" sz="1050" dirty="0"/>
               <a:t>등록 버튼 클릭</a:t>
             </a:r>
-            <a:endParaRPr lang="ko-KR" altLang="en-US" sz="1050" dirty="0"/>
           </a:p>
         </p:txBody>
       </p:sp>
@@ -16215,10 +16002,9 @@
           <a:p>
             <a:pPr algn="ctr"/>
             <a:r>
-              <a:rPr lang="ko-KR" altLang="en-US" sz="1050" dirty="0" smtClean="0"/>
+              <a:rPr lang="ko-KR" altLang="en-US" sz="1050" dirty="0"/>
               <a:t>회원 삭제</a:t>
             </a:r>
-            <a:endParaRPr lang="ko-KR" altLang="en-US" sz="1050" dirty="0"/>
           </a:p>
         </p:txBody>
       </p:sp>
@@ -16262,10 +16048,9 @@
           <a:p>
             <a:pPr algn="ctr"/>
             <a:r>
-              <a:rPr lang="ko-KR" altLang="en-US" sz="1050" dirty="0" smtClean="0"/>
+              <a:rPr lang="ko-KR" altLang="en-US" sz="1050" dirty="0"/>
               <a:t>삭제 버튼 클릭</a:t>
             </a:r>
-            <a:endParaRPr lang="ko-KR" altLang="en-US" sz="1050" dirty="0"/>
           </a:p>
         </p:txBody>
       </p:sp>
@@ -16309,10 +16094,9 @@
           <a:p>
             <a:pPr algn="ctr"/>
             <a:r>
-              <a:rPr lang="ko-KR" altLang="en-US" sz="1050" dirty="0" smtClean="0"/>
+              <a:rPr lang="ko-KR" altLang="en-US" sz="1050" dirty="0"/>
               <a:t>회원 등록 클릭</a:t>
             </a:r>
-            <a:endParaRPr lang="ko-KR" altLang="en-US" sz="1050" dirty="0"/>
           </a:p>
         </p:txBody>
       </p:sp>
@@ -16356,10 +16140,9 @@
           <a:p>
             <a:pPr algn="ctr"/>
             <a:r>
-              <a:rPr lang="ko-KR" altLang="en-US" sz="1050" dirty="0" smtClean="0"/>
+              <a:rPr lang="ko-KR" altLang="en-US" sz="1050" dirty="0"/>
               <a:t>회원 목록</a:t>
             </a:r>
-            <a:endParaRPr lang="ko-KR" altLang="en-US" sz="1050" dirty="0"/>
           </a:p>
         </p:txBody>
       </p:sp>
@@ -16404,21 +16187,16 @@
             <a:pPr algn="ctr"/>
             <a:r>
               <a:rPr lang="ko-KR" altLang="en-US" sz="1050" dirty="0"/>
-              <a:t>회원</a:t>
-            </a:r>
-            <a:r>
-              <a:rPr lang="ko-KR" altLang="en-US" sz="1050" dirty="0" smtClean="0"/>
-              <a:t> </a:t>
-            </a:r>
-            <a:r>
-              <a:rPr lang="en-US" altLang="ko-KR" sz="1050" dirty="0" smtClean="0"/>
+              <a:t>회원 </a:t>
+            </a:r>
+            <a:r>
+              <a:rPr lang="en-US" altLang="ko-KR" sz="1050" dirty="0"/>
               <a:t>ID</a:t>
             </a:r>
             <a:r>
-              <a:rPr lang="ko-KR" altLang="en-US" sz="1050" dirty="0" smtClean="0"/>
+              <a:rPr lang="ko-KR" altLang="en-US" sz="1050" dirty="0"/>
               <a:t> 클릭</a:t>
             </a:r>
-            <a:endParaRPr lang="ko-KR" altLang="en-US" sz="1050" dirty="0"/>
           </a:p>
         </p:txBody>
       </p:sp>
@@ -16462,10 +16240,9 @@
           <a:p>
             <a:pPr algn="ctr"/>
             <a:r>
-              <a:rPr lang="ko-KR" altLang="en-US" sz="1050" dirty="0" smtClean="0"/>
+              <a:rPr lang="ko-KR" altLang="en-US" sz="1050" dirty="0"/>
               <a:t>회원 정보 출력</a:t>
             </a:r>
-            <a:endParaRPr lang="ko-KR" altLang="en-US" sz="1050" dirty="0"/>
           </a:p>
         </p:txBody>
       </p:sp>
@@ -16509,10 +16286,9 @@
           <a:p>
             <a:pPr algn="ctr"/>
             <a:r>
-              <a:rPr lang="ko-KR" altLang="en-US" sz="1050" dirty="0" smtClean="0"/>
+              <a:rPr lang="ko-KR" altLang="en-US" sz="1050" dirty="0"/>
               <a:t>회원 상세정보</a:t>
             </a:r>
-            <a:endParaRPr lang="ko-KR" altLang="en-US" sz="1050" dirty="0"/>
           </a:p>
         </p:txBody>
       </p:sp>
@@ -16963,10 +16739,9 @@
           <a:lstStyle/>
           <a:p>
             <a:r>
-              <a:rPr lang="ko-KR" altLang="en-US" sz="1400" dirty="0" smtClean="0"/>
+              <a:rPr lang="ko-KR" altLang="en-US" sz="1400" dirty="0"/>
               <a:t>회원 목록</a:t>
             </a:r>
-            <a:endParaRPr lang="ko-KR" altLang="en-US" sz="1400" dirty="0"/>
           </a:p>
         </p:txBody>
       </p:sp>
@@ -16994,13 +16769,8 @@
           <a:p>
             <a:r>
               <a:rPr lang="ko-KR" altLang="en-US" sz="1400" dirty="0"/>
-              <a:t>회원</a:t>
-            </a:r>
-            <a:r>
-              <a:rPr lang="ko-KR" altLang="en-US" sz="1400" dirty="0" smtClean="0"/>
-              <a:t> 조회</a:t>
-            </a:r>
-            <a:endParaRPr lang="ko-KR" altLang="en-US" sz="1400" dirty="0"/>
+              <a:t>회원 조회</a:t>
+            </a:r>
           </a:p>
         </p:txBody>
       </p:sp>
@@ -17027,10 +16797,9 @@
           <a:lstStyle/>
           <a:p>
             <a:r>
-              <a:rPr lang="ko-KR" altLang="en-US" sz="1400" dirty="0" smtClean="0"/>
+              <a:rPr lang="ko-KR" altLang="en-US" sz="1400" dirty="0"/>
               <a:t>회원 등록</a:t>
             </a:r>
-            <a:endParaRPr lang="ko-KR" altLang="en-US" sz="1400" dirty="0"/>
           </a:p>
         </p:txBody>
       </p:sp>
@@ -17057,10 +16826,9 @@
           <a:lstStyle/>
           <a:p>
             <a:r>
-              <a:rPr lang="ko-KR" altLang="en-US" sz="1400" dirty="0" smtClean="0"/>
+              <a:rPr lang="ko-KR" altLang="en-US" sz="1400" dirty="0"/>
               <a:t>회원정보 수정</a:t>
             </a:r>
-            <a:endParaRPr lang="ko-KR" altLang="en-US" sz="1400" dirty="0"/>
           </a:p>
         </p:txBody>
       </p:sp>
@@ -17087,10 +16855,9 @@
           <a:lstStyle/>
           <a:p>
             <a:r>
-              <a:rPr lang="ko-KR" altLang="en-US" sz="1400" dirty="0" smtClean="0"/>
+              <a:rPr lang="ko-KR" altLang="en-US" sz="1400" dirty="0"/>
               <a:t>회원 삭제</a:t>
             </a:r>
-            <a:endParaRPr lang="ko-KR" altLang="en-US" sz="1400" dirty="0"/>
           </a:p>
         </p:txBody>
       </p:sp>
@@ -17239,10 +17006,9 @@
           <a:p>
             <a:pPr algn="ctr"/>
             <a:r>
-              <a:rPr lang="ko-KR" altLang="en-US" sz="1050" dirty="0" smtClean="0"/>
+              <a:rPr lang="ko-KR" altLang="en-US" sz="1050" dirty="0"/>
               <a:t>이름 입력</a:t>
             </a:r>
-            <a:endParaRPr lang="ko-KR" altLang="en-US" sz="1050" dirty="0"/>
           </a:p>
         </p:txBody>
       </p:sp>
@@ -17325,10 +17091,9 @@
           <a:p>
             <a:pPr algn="ctr"/>
             <a:r>
-              <a:rPr lang="ko-KR" altLang="en-US" sz="1050" dirty="0" smtClean="0"/>
+              <a:rPr lang="ko-KR" altLang="en-US" sz="1050" dirty="0"/>
               <a:t>이메일 입력</a:t>
             </a:r>
-            <a:endParaRPr lang="ko-KR" altLang="en-US" sz="1050" dirty="0"/>
           </a:p>
         </p:txBody>
       </p:sp>
@@ -17372,10 +17137,9 @@
           <a:p>
             <a:pPr algn="ctr"/>
             <a:r>
-              <a:rPr lang="ko-KR" altLang="en-US" sz="1050" dirty="0" smtClean="0"/>
+              <a:rPr lang="ko-KR" altLang="en-US" sz="1050" dirty="0"/>
               <a:t>휴대폰 입력</a:t>
             </a:r>
-            <a:endParaRPr lang="ko-KR" altLang="en-US" sz="1050" dirty="0"/>
           </a:p>
         </p:txBody>
       </p:sp>
@@ -17497,10 +17261,9 @@
           <a:p>
             <a:pPr algn="ctr"/>
             <a:r>
-              <a:rPr lang="ko-KR" altLang="en-US" sz="1050" dirty="0" smtClean="0"/>
+              <a:rPr lang="ko-KR" altLang="en-US" sz="1050" dirty="0"/>
               <a:t>회원 상세정보</a:t>
             </a:r>
-            <a:endParaRPr lang="ko-KR" altLang="en-US" sz="1050" dirty="0"/>
           </a:p>
         </p:txBody>
       </p:sp>
@@ -17544,10 +17307,9 @@
           <a:p>
             <a:pPr algn="ctr"/>
             <a:r>
-              <a:rPr lang="ko-KR" altLang="en-US" sz="1050" dirty="0" smtClean="0"/>
+              <a:rPr lang="ko-KR" altLang="en-US" sz="1050" dirty="0"/>
               <a:t>회원 수정</a:t>
             </a:r>
-            <a:endParaRPr lang="ko-KR" altLang="en-US" sz="1050" dirty="0"/>
           </a:p>
         </p:txBody>
       </p:sp>
@@ -17591,14 +17353,13 @@
           <a:p>
             <a:pPr algn="ctr"/>
             <a:r>
-              <a:rPr lang="en-US" altLang="ko-KR" sz="1050" dirty="0" smtClean="0"/>
+              <a:rPr lang="en-US" altLang="ko-KR" sz="1050" dirty="0"/>
               <a:t>ID</a:t>
             </a:r>
             <a:r>
-              <a:rPr lang="ko-KR" altLang="en-US" sz="1050" dirty="0" smtClean="0"/>
+              <a:rPr lang="ko-KR" altLang="en-US" sz="1050" dirty="0"/>
               <a:t> 입력</a:t>
             </a:r>
-            <a:endParaRPr lang="ko-KR" altLang="en-US" sz="1050" dirty="0"/>
           </a:p>
         </p:txBody>
       </p:sp>
@@ -17642,14 +17403,13 @@
           <a:p>
             <a:pPr algn="ctr"/>
             <a:r>
-              <a:rPr lang="en-US" altLang="ko-KR" sz="1050" dirty="0" smtClean="0"/>
+              <a:rPr lang="en-US" altLang="ko-KR" sz="1050" dirty="0"/>
               <a:t>PW </a:t>
             </a:r>
             <a:r>
-              <a:rPr lang="ko-KR" altLang="en-US" sz="1050" dirty="0" smtClean="0"/>
+              <a:rPr lang="ko-KR" altLang="en-US" sz="1050" dirty="0"/>
               <a:t>입력</a:t>
             </a:r>
-            <a:endParaRPr lang="ko-KR" altLang="en-US" sz="1050" dirty="0"/>
           </a:p>
         </p:txBody>
       </p:sp>
@@ -17693,10 +17453,9 @@
           <a:p>
             <a:pPr algn="ctr"/>
             <a:r>
-              <a:rPr lang="ko-KR" altLang="en-US" sz="1050" dirty="0" smtClean="0"/>
+              <a:rPr lang="ko-KR" altLang="en-US" sz="1050" dirty="0"/>
               <a:t>수정 버튼 클릭</a:t>
             </a:r>
-            <a:endParaRPr lang="ko-KR" altLang="en-US" sz="1050" dirty="0"/>
           </a:p>
         </p:txBody>
       </p:sp>
@@ -17740,10 +17499,9 @@
           <a:p>
             <a:pPr algn="ctr"/>
             <a:r>
-              <a:rPr lang="ko-KR" altLang="en-US" sz="1050" dirty="0" smtClean="0"/>
+              <a:rPr lang="ko-KR" altLang="en-US" sz="1050" dirty="0"/>
               <a:t>수정 버튼 클릭</a:t>
             </a:r>
-            <a:endParaRPr lang="ko-KR" altLang="en-US" sz="1050" dirty="0"/>
           </a:p>
         </p:txBody>
       </p:sp>
@@ -17982,10 +17740,9 @@
           <a:p>
             <a:pPr algn="ctr"/>
             <a:r>
-              <a:rPr lang="ko-KR" altLang="en-US" sz="1050" dirty="0" smtClean="0"/>
+              <a:rPr lang="ko-KR" altLang="en-US" sz="1050" dirty="0"/>
               <a:t>이름 입력</a:t>
             </a:r>
-            <a:endParaRPr lang="ko-KR" altLang="en-US" sz="1050" dirty="0"/>
           </a:p>
         </p:txBody>
       </p:sp>
@@ -18068,10 +17825,9 @@
           <a:p>
             <a:pPr algn="ctr"/>
             <a:r>
-              <a:rPr lang="ko-KR" altLang="en-US" sz="1050" dirty="0" smtClean="0"/>
+              <a:rPr lang="ko-KR" altLang="en-US" sz="1050" dirty="0"/>
               <a:t>이메일 입력</a:t>
             </a:r>
-            <a:endParaRPr lang="ko-KR" altLang="en-US" sz="1050" dirty="0"/>
           </a:p>
         </p:txBody>
       </p:sp>
@@ -18115,10 +17871,9 @@
           <a:p>
             <a:pPr algn="ctr"/>
             <a:r>
-              <a:rPr lang="ko-KR" altLang="en-US" sz="1050" dirty="0" smtClean="0"/>
+              <a:rPr lang="ko-KR" altLang="en-US" sz="1050" dirty="0"/>
               <a:t>휴대폰 입력</a:t>
             </a:r>
-            <a:endParaRPr lang="ko-KR" altLang="en-US" sz="1050" dirty="0"/>
           </a:p>
         </p:txBody>
       </p:sp>
@@ -18222,13 +17977,6 @@
       </p:transition>
     </mc:Fallback>
   </mc:AlternateContent>
-  <p:timing>
-    <p:tnLst>
-      <p:par>
-        <p:cTn id="1" dur="indefinite" restart="never" nodeType="tmRoot"/>
-      </p:par>
-    </p:tnLst>
-  </p:timing>
 </p:sld>
 </file>
 
@@ -18559,7 +18307,7 @@
             <a:lstStyle/>
             <a:p>
               <a:r>
-                <a:rPr lang="ko-KR" altLang="en-US" dirty="0" smtClean="0">
+                <a:rPr lang="ko-KR" altLang="en-US" dirty="0">
                   <a:ln>
                     <a:solidFill>
                       <a:srgbClr val="1D4098">
@@ -18832,13 +18580,6 @@
       </p:transition>
     </mc:Fallback>
   </mc:AlternateContent>
-  <p:timing>
-    <p:tnLst>
-      <p:par>
-        <p:cTn id="1" dur="indefinite" restart="never" nodeType="tmRoot"/>
-      </p:par>
-    </p:tnLst>
-  </p:timing>
 </p:sld>
 </file>
 
@@ -19060,7 +18801,7 @@
             <a:lstStyle/>
             <a:p>
               <a:r>
-                <a:rPr lang="ko-KR" altLang="en-US" dirty="0" smtClean="0">
+                <a:rPr lang="ko-KR" altLang="en-US" dirty="0">
                   <a:ln>
                     <a:solidFill>
                       <a:srgbClr val="1D4098">
@@ -19333,13 +19074,6 @@
       </p:transition>
     </mc:Fallback>
   </mc:AlternateContent>
-  <p:timing>
-    <p:tnLst>
-      <p:par>
-        <p:cTn id="1" dur="indefinite" restart="never" nodeType="tmRoot"/>
-      </p:par>
-    </p:tnLst>
-  </p:timing>
 </p:sld>
 </file>
 
@@ -19561,7 +19295,7 @@
             <a:lstStyle/>
             <a:p>
               <a:r>
-                <a:rPr lang="en-US" altLang="ko-KR" dirty="0" err="1" smtClean="0">
+                <a:rPr lang="en-US" altLang="ko-KR" dirty="0" err="1">
                   <a:ln>
                     <a:solidFill>
                       <a:srgbClr val="1D4098">
@@ -19834,13 +19568,6 @@
       </p:transition>
     </mc:Fallback>
   </mc:AlternateContent>
-  <p:timing>
-    <p:tnLst>
-      <p:par>
-        <p:cTn id="1" dur="indefinite" restart="never" nodeType="tmRoot"/>
-      </p:par>
-    </p:tnLst>
-  </p:timing>
 </p:sld>
 </file>
 
@@ -20062,7 +19789,7 @@
             <a:lstStyle/>
             <a:p>
               <a:r>
-                <a:rPr lang="ko-KR" altLang="en-US" dirty="0" smtClean="0">
+                <a:rPr lang="ko-KR" altLang="en-US" dirty="0">
                   <a:ln>
                     <a:solidFill>
                       <a:srgbClr val="1D4098">
@@ -20335,13 +20062,6 @@
       </p:transition>
     </mc:Fallback>
   </mc:AlternateContent>
-  <p:timing>
-    <p:tnLst>
-      <p:par>
-        <p:cTn id="1" dur="indefinite" restart="never" nodeType="tmRoot"/>
-      </p:par>
-    </p:tnLst>
-  </p:timing>
 </p:sld>
 </file>
 
@@ -20670,7 +20390,7 @@
             <a:lstStyle/>
             <a:p>
               <a:r>
-                <a:rPr lang="ko-KR" altLang="en-US" dirty="0" smtClean="0">
+                <a:rPr lang="ko-KR" altLang="en-US" dirty="0">
                   <a:ln>
                     <a:solidFill>
                       <a:srgbClr val="1D4098">
@@ -20943,13 +20663,6 @@
       </p:transition>
     </mc:Fallback>
   </mc:AlternateContent>
-  <p:timing>
-    <p:tnLst>
-      <p:par>
-        <p:cTn id="1" dur="indefinite" restart="never" nodeType="tmRoot"/>
-      </p:par>
-    </p:tnLst>
-  </p:timing>
 </p:sld>
 </file>
 
@@ -21346,7 +21059,7 @@
             <a:p>
               <a:pPr algn="ctr"/>
               <a:r>
-                <a:rPr lang="ko-KR" altLang="en-US" sz="4000" dirty="0" smtClean="0">
+                <a:rPr lang="ko-KR" altLang="en-US" sz="4000" dirty="0">
                   <a:ln>
                     <a:solidFill>
                       <a:srgbClr val="1D4098">
@@ -21362,20 +21075,6 @@
                 </a:rPr>
                 <a:t>기대 효과</a:t>
               </a:r>
-              <a:endParaRPr lang="ko-KR" altLang="en-US" sz="4000" dirty="0">
-                <a:ln>
-                  <a:solidFill>
-                    <a:srgbClr val="1D4098">
-                      <a:alpha val="0"/>
-                    </a:srgbClr>
-                  </a:solidFill>
-                </a:ln>
-                <a:solidFill>
-                  <a:schemeClr val="bg1"/>
-                </a:solidFill>
-                <a:latin typeface="IBM Plex Sans KR SemiBold" panose="020B0703050203000203" pitchFamily="50" charset="-127"/>
-                <a:ea typeface="IBM Plex Sans KR SemiBold" panose="020B0703050203000203" pitchFamily="50" charset="-127"/>
-              </a:endParaRPr>
             </a:p>
           </p:txBody>
         </p:sp>
@@ -21409,7 +21108,7 @@
             <a:p>
               <a:pPr algn="ctr"/>
               <a:r>
-                <a:rPr lang="en-US" altLang="ko-KR" sz="5400" dirty="0" smtClean="0">
+                <a:rPr lang="en-US" altLang="ko-KR" sz="5400" dirty="0">
                   <a:ln>
                     <a:solidFill>
                       <a:srgbClr val="1D4098">
@@ -21498,13 +21197,6 @@
       </p:transition>
     </mc:Fallback>
   </mc:AlternateContent>
-  <p:timing>
-    <p:tnLst>
-      <p:par>
-        <p:cTn id="1" dur="indefinite" restart="never" nodeType="tmRoot"/>
-      </p:par>
-    </p:tnLst>
-  </p:timing>
 </p:sld>
 </file>
 
@@ -21689,7 +21381,7 @@
             <a:lstStyle/>
             <a:p>
               <a:r>
-                <a:rPr lang="ko-KR" altLang="en-US" sz="4000" dirty="0" smtClean="0">
+                <a:rPr lang="ko-KR" altLang="en-US" sz="4000" dirty="0">
                   <a:ln>
                     <a:solidFill>
                       <a:srgbClr val="1D4098">
@@ -21705,20 +21397,6 @@
                 </a:rPr>
                 <a:t>기대 효과</a:t>
               </a:r>
-              <a:endParaRPr lang="ko-KR" altLang="en-US" sz="4000" dirty="0">
-                <a:ln>
-                  <a:solidFill>
-                    <a:srgbClr val="1D4098">
-                      <a:alpha val="0"/>
-                    </a:srgbClr>
-                  </a:solidFill>
-                </a:ln>
-                <a:solidFill>
-                  <a:schemeClr val="bg1"/>
-                </a:solidFill>
-                <a:latin typeface="IBM Plex Sans KR SemiBold" panose="020B0703050203000203" pitchFamily="50" charset="-127"/>
-                <a:ea typeface="IBM Plex Sans KR SemiBold" panose="020B0703050203000203" pitchFamily="50" charset="-127"/>
-              </a:endParaRPr>
             </a:p>
           </p:txBody>
         </p:sp>
@@ -21751,7 +21429,7 @@
             <a:lstStyle/>
             <a:p>
               <a:r>
-                <a:rPr lang="en-US" altLang="ko-KR" sz="3600" dirty="0" smtClean="0">
+                <a:rPr lang="en-US" altLang="ko-KR" sz="3600" dirty="0">
                   <a:ln>
                     <a:solidFill>
                       <a:srgbClr val="1D4098">
@@ -21996,7 +21674,7 @@
               </a:lnSpc>
             </a:pPr>
             <a:r>
-              <a:rPr lang="ko-KR" altLang="en-US" sz="2000" baseline="-25000" dirty="0" smtClean="0">
+              <a:rPr lang="ko-KR" altLang="en-US" sz="2000" baseline="-25000" dirty="0">
                 <a:ln>
                   <a:solidFill>
                     <a:srgbClr val="1D4098">
@@ -22013,7 +21691,7 @@
               <a:t>네이버 아이디 연동</a:t>
             </a:r>
             <a:r>
-              <a:rPr lang="en-US" altLang="ko-KR" sz="2000" baseline="-25000" dirty="0" smtClean="0">
+              <a:rPr lang="en-US" altLang="ko-KR" sz="2000" baseline="-25000" dirty="0">
                 <a:ln>
                   <a:solidFill>
                     <a:srgbClr val="1D4098">
@@ -22030,7 +21708,7 @@
               <a:t>, </a:t>
             </a:r>
             <a:r>
-              <a:rPr lang="ko-KR" altLang="en-US" sz="2000" baseline="-25000" dirty="0" smtClean="0">
+              <a:rPr lang="ko-KR" altLang="en-US" sz="2000" baseline="-25000" dirty="0">
                 <a:ln>
                   <a:solidFill>
                     <a:srgbClr val="1D4098">
@@ -22047,7 +21725,7 @@
               <a:t>관심 지역 등록 등</a:t>
             </a:r>
             <a:r>
-              <a:rPr lang="ko-KR" altLang="en-US" sz="2000" dirty="0" smtClean="0">
+              <a:rPr lang="ko-KR" altLang="en-US" sz="2000" dirty="0">
                 <a:ln>
                   <a:solidFill>
                     <a:srgbClr val="1D4098">
@@ -22063,7 +21741,7 @@
               </a:rPr>
               <a:t> </a:t>
             </a:r>
-            <a:endParaRPr lang="en-US" altLang="ko-KR" sz="2000" dirty="0" smtClean="0">
+            <a:endParaRPr lang="en-US" altLang="ko-KR" sz="2000" dirty="0">
               <a:ln>
                 <a:solidFill>
                   <a:srgbClr val="1D4098">
@@ -22085,7 +21763,7 @@
               </a:lnSpc>
             </a:pPr>
             <a:r>
-              <a:rPr lang="ko-KR" altLang="en-US" sz="2000" baseline="-25000" dirty="0" smtClean="0">
+              <a:rPr lang="ko-KR" altLang="en-US" sz="2000" baseline="-25000" dirty="0">
                 <a:ln>
                   <a:solidFill>
                     <a:srgbClr val="1D4098">
@@ -22101,20 +21779,6 @@
               </a:rPr>
               <a:t>사용자의 편의를 위한 서비스들을 제공</a:t>
             </a:r>
-            <a:endParaRPr lang="ko-KR" altLang="en-US" sz="2000" baseline="-25000" dirty="0">
-              <a:ln>
-                <a:solidFill>
-                  <a:srgbClr val="1D4098">
-                    <a:alpha val="0"/>
-                  </a:srgbClr>
-                </a:solidFill>
-              </a:ln>
-              <a:solidFill>
-                <a:schemeClr val="bg1"/>
-              </a:solidFill>
-              <a:latin typeface="IBM Plex Sans KR Light" panose="020B0403050203000203" pitchFamily="50" charset="-127"/>
-              <a:ea typeface="IBM Plex Sans KR Light" panose="020B0403050203000203" pitchFamily="50" charset="-127"/>
-            </a:endParaRPr>
           </a:p>
         </p:txBody>
       </p:sp>
@@ -22223,7 +21887,7 @@
             <a:p>
               <a:pPr algn="ctr"/>
               <a:r>
-                <a:rPr lang="ko-KR" altLang="en-US" sz="1600" b="1" dirty="0" smtClean="0">
+                <a:rPr lang="ko-KR" altLang="en-US" sz="1600" b="1" dirty="0">
                   <a:ln>
                     <a:solidFill>
                       <a:srgbClr val="1D4098">
@@ -22242,23 +21906,6 @@
                 </a:rPr>
                 <a:t>편의성</a:t>
               </a:r>
-              <a:endParaRPr lang="ko-KR" altLang="en-US" sz="1600" b="1" dirty="0">
-                <a:ln>
-                  <a:solidFill>
-                    <a:srgbClr val="1D4098">
-                      <a:alpha val="0"/>
-                    </a:srgbClr>
-                  </a:solidFill>
-                </a:ln>
-                <a:solidFill>
-                  <a:schemeClr val="tx1">
-                    <a:lumMod val="75000"/>
-                    <a:lumOff val="25000"/>
-                  </a:schemeClr>
-                </a:solidFill>
-                <a:latin typeface="IBM Plex Sans KR Medium" panose="020B0603050203000203" pitchFamily="50" charset="-127"/>
-                <a:ea typeface="IBM Plex Sans KR Medium" panose="020B0603050203000203" pitchFamily="50" charset="-127"/>
-              </a:endParaRPr>
             </a:p>
           </p:txBody>
         </p:sp>
@@ -22368,7 +22015,7 @@
             <a:p>
               <a:pPr algn="ctr"/>
               <a:r>
-                <a:rPr lang="ko-KR" altLang="en-US" sz="1600" b="1" dirty="0" smtClean="0">
+                <a:rPr lang="ko-KR" altLang="en-US" sz="1600" b="1" dirty="0">
                   <a:ln>
                     <a:solidFill>
                       <a:srgbClr val="1D4098">
@@ -22387,23 +22034,6 @@
                 </a:rPr>
                 <a:t>차별성</a:t>
               </a:r>
-              <a:endParaRPr lang="ko-KR" altLang="en-US" sz="1600" b="1" dirty="0">
-                <a:ln>
-                  <a:solidFill>
-                    <a:srgbClr val="1D4098">
-                      <a:alpha val="0"/>
-                    </a:srgbClr>
-                  </a:solidFill>
-                </a:ln>
-                <a:solidFill>
-                  <a:schemeClr val="tx1">
-                    <a:lumMod val="75000"/>
-                    <a:lumOff val="25000"/>
-                  </a:schemeClr>
-                </a:solidFill>
-                <a:latin typeface="IBM Plex Sans KR Medium" panose="020B0603050203000203" pitchFamily="50" charset="-127"/>
-                <a:ea typeface="IBM Plex Sans KR Medium" panose="020B0603050203000203" pitchFamily="50" charset="-127"/>
-              </a:endParaRPr>
             </a:p>
           </p:txBody>
         </p:sp>
@@ -22442,7 +22072,7 @@
               </a:lnSpc>
             </a:pPr>
             <a:r>
-              <a:rPr lang="ko-KR" altLang="en-US" sz="2000" baseline="-25000" dirty="0" smtClean="0">
+              <a:rPr lang="ko-KR" altLang="en-US" sz="2000" baseline="-25000" dirty="0">
                 <a:ln>
                   <a:solidFill>
                     <a:srgbClr val="1D4098">
@@ -22480,7 +22110,7 @@
               </a:lnSpc>
             </a:pPr>
             <a:r>
-              <a:rPr lang="ko-KR" altLang="en-US" sz="2000" baseline="-25000" dirty="0" smtClean="0">
+              <a:rPr lang="ko-KR" altLang="en-US" sz="2000" baseline="-25000" dirty="0">
                 <a:ln>
                   <a:solidFill>
                     <a:srgbClr val="1D4098">
@@ -22535,13 +22165,6 @@
       </p:transition>
     </mc:Fallback>
   </mc:AlternateContent>
-  <p:timing>
-    <p:tnLst>
-      <p:par>
-        <p:cTn id="1" dur="indefinite" restart="never" nodeType="tmRoot"/>
-      </p:par>
-    </p:tnLst>
-  </p:timing>
 </p:sld>
 </file>
 
@@ -22938,7 +22561,7 @@
             <a:p>
               <a:pPr algn="ctr"/>
               <a:r>
-                <a:rPr lang="ko-KR" altLang="en-US" sz="4000" dirty="0" smtClean="0">
+                <a:rPr lang="ko-KR" altLang="en-US" sz="4000" dirty="0">
                   <a:ln>
                     <a:solidFill>
                       <a:srgbClr val="1D4098">
@@ -22954,20 +22577,6 @@
                 </a:rPr>
                 <a:t>개발 후기</a:t>
               </a:r>
-              <a:endParaRPr lang="ko-KR" altLang="en-US" sz="4000" dirty="0">
-                <a:ln>
-                  <a:solidFill>
-                    <a:srgbClr val="1D4098">
-                      <a:alpha val="0"/>
-                    </a:srgbClr>
-                  </a:solidFill>
-                </a:ln>
-                <a:solidFill>
-                  <a:schemeClr val="bg1"/>
-                </a:solidFill>
-                <a:latin typeface="IBM Plex Sans KR SemiBold" panose="020B0703050203000203" pitchFamily="50" charset="-127"/>
-                <a:ea typeface="IBM Plex Sans KR SemiBold" panose="020B0703050203000203" pitchFamily="50" charset="-127"/>
-              </a:endParaRPr>
             </a:p>
           </p:txBody>
         </p:sp>
@@ -23001,7 +22610,7 @@
             <a:p>
               <a:pPr algn="ctr"/>
               <a:r>
-                <a:rPr lang="en-US" altLang="ko-KR" sz="5400" dirty="0" smtClean="0">
+                <a:rPr lang="en-US" altLang="ko-KR" sz="5400" dirty="0">
                   <a:ln>
                     <a:solidFill>
                       <a:srgbClr val="1D4098">
@@ -23090,13 +22699,6 @@
       </p:transition>
     </mc:Fallback>
   </mc:AlternateContent>
-  <p:timing>
-    <p:tnLst>
-      <p:par>
-        <p:cTn id="1" dur="indefinite" restart="never" nodeType="tmRoot"/>
-      </p:par>
-    </p:tnLst>
-  </p:timing>
 </p:sld>
 </file>
 
@@ -23281,7 +22883,7 @@
             <a:lstStyle/>
             <a:p>
               <a:r>
-                <a:rPr lang="ko-KR" altLang="en-US" sz="4000" dirty="0" smtClean="0">
+                <a:rPr lang="ko-KR" altLang="en-US" sz="4000" dirty="0">
                   <a:ln>
                     <a:solidFill>
                       <a:srgbClr val="1D4098">
@@ -23297,20 +22899,6 @@
                 </a:rPr>
                 <a:t>개발 후기</a:t>
               </a:r>
-              <a:endParaRPr lang="ko-KR" altLang="en-US" sz="4000" dirty="0">
-                <a:ln>
-                  <a:solidFill>
-                    <a:srgbClr val="1D4098">
-                      <a:alpha val="0"/>
-                    </a:srgbClr>
-                  </a:solidFill>
-                </a:ln>
-                <a:solidFill>
-                  <a:schemeClr val="bg1"/>
-                </a:solidFill>
-                <a:latin typeface="IBM Plex Sans KR SemiBold" panose="020B0703050203000203" pitchFamily="50" charset="-127"/>
-                <a:ea typeface="IBM Plex Sans KR SemiBold" panose="020B0703050203000203" pitchFamily="50" charset="-127"/>
-              </a:endParaRPr>
             </a:p>
           </p:txBody>
         </p:sp>
@@ -23343,7 +22931,7 @@
             <a:lstStyle/>
             <a:p>
               <a:r>
-                <a:rPr lang="en-US" altLang="ko-KR" sz="3600" dirty="0" smtClean="0">
+                <a:rPr lang="en-US" altLang="ko-KR" sz="3600" dirty="0">
                   <a:ln>
                     <a:solidFill>
                       <a:srgbClr val="1D4098">
@@ -23645,7 +23233,7 @@
           <a:p>
             <a:pPr algn="ctr"/>
             <a:r>
-              <a:rPr lang="ko-KR" altLang="en-US" sz="1600" b="1" dirty="0" err="1" smtClean="0">
+              <a:rPr lang="ko-KR" altLang="en-US" sz="1600" b="1" dirty="0" err="1">
                 <a:ln>
                   <a:solidFill>
                     <a:srgbClr val="1D4098">
@@ -23718,7 +23306,7 @@
               </a:lnSpc>
             </a:pPr>
             <a:r>
-              <a:rPr lang="ko-KR" altLang="en-US" sz="2000" baseline="-25000" dirty="0" smtClean="0">
+              <a:rPr lang="ko-KR" altLang="en-US" sz="2000" baseline="-25000" dirty="0">
                 <a:ln>
                   <a:solidFill>
                     <a:srgbClr val="1D4098">
@@ -23735,7 +23323,7 @@
               <a:t>같은 주제로 새로운 기술을 배우며 그것을 적용함으로써 프로젝트를  발전시켜 나가는게 즐거웠습니다</a:t>
             </a:r>
             <a:r>
-              <a:rPr lang="en-US" altLang="ko-KR" sz="2000" baseline="-25000" dirty="0" smtClean="0">
+              <a:rPr lang="en-US" altLang="ko-KR" sz="2000" baseline="-25000" dirty="0">
                 <a:ln>
                   <a:solidFill>
                     <a:srgbClr val="1D4098">
@@ -23758,7 +23346,7 @@
                 <a:spcPct val="150000"/>
               </a:lnSpc>
             </a:pPr>
-            <a:endParaRPr lang="en-US" altLang="ko-KR" sz="2000" baseline="-25000" dirty="0" smtClean="0">
+            <a:endParaRPr lang="en-US" altLang="ko-KR" sz="2000" baseline="-25000" dirty="0">
               <a:ln>
                 <a:solidFill>
                   <a:srgbClr val="1D4098">
@@ -23780,7 +23368,7 @@
               </a:lnSpc>
             </a:pPr>
             <a:r>
-              <a:rPr lang="ko-KR" altLang="en-US" sz="2000" baseline="-25000" dirty="0" smtClean="0">
+              <a:rPr lang="ko-KR" altLang="en-US" sz="2000" baseline="-25000" dirty="0">
                 <a:ln>
                   <a:solidFill>
                     <a:srgbClr val="1D4098">
@@ -23797,7 +23385,7 @@
               <a:t>좋은 페어를 만나 역할을 나누는 시작부터 별 다른 마찰 없이 관통 프로젝트를 끝낼 수 있었습니다</a:t>
             </a:r>
             <a:r>
-              <a:rPr lang="en-US" altLang="ko-KR" sz="2000" baseline="-25000" dirty="0" smtClean="0">
+              <a:rPr lang="en-US" altLang="ko-KR" sz="2000" baseline="-25000" dirty="0">
                 <a:ln>
                   <a:solidFill>
                     <a:srgbClr val="1D4098">
@@ -23821,7 +23409,7 @@
               </a:lnSpc>
             </a:pPr>
             <a:r>
-              <a:rPr lang="ko-KR" altLang="en-US" sz="2000" baseline="-25000" dirty="0" smtClean="0">
+              <a:rPr lang="ko-KR" altLang="en-US" sz="2000" baseline="-25000" dirty="0">
                 <a:ln>
                   <a:solidFill>
                     <a:srgbClr val="1D4098">
@@ -23838,7 +23426,7 @@
               <a:t>다음 프로젝트에서는 조금 더 욕심을 내 더 좋은 결과물을 만들고 싶어졌습니다</a:t>
             </a:r>
             <a:r>
-              <a:rPr lang="en-US" altLang="ko-KR" sz="2000" baseline="-25000" dirty="0" smtClean="0">
+              <a:rPr lang="en-US" altLang="ko-KR" sz="2000" baseline="-25000" dirty="0">
                 <a:ln>
                   <a:solidFill>
                     <a:srgbClr val="1D4098">
@@ -23962,7 +23550,7 @@
           <a:p>
             <a:pPr algn="ctr"/>
             <a:r>
-              <a:rPr lang="ko-KR" altLang="en-US" sz="1600" b="1" dirty="0" smtClean="0">
+              <a:rPr lang="ko-KR" altLang="en-US" sz="1600" b="1" dirty="0">
                 <a:ln>
                   <a:solidFill>
                     <a:srgbClr val="1D4098">
@@ -23981,23 +23569,6 @@
               </a:rPr>
               <a:t>김남규</a:t>
             </a:r>
-            <a:endParaRPr lang="ko-KR" altLang="en-US" sz="1600" b="1" dirty="0">
-              <a:ln>
-                <a:solidFill>
-                  <a:srgbClr val="1D4098">
-                    <a:alpha val="0"/>
-                  </a:srgbClr>
-                </a:solidFill>
-              </a:ln>
-              <a:solidFill>
-                <a:schemeClr val="tx1">
-                  <a:lumMod val="75000"/>
-                  <a:lumOff val="25000"/>
-                </a:schemeClr>
-              </a:solidFill>
-              <a:latin typeface="IBM Plex Sans KR Medium" panose="020B0603050203000203" pitchFamily="50" charset="-127"/>
-              <a:ea typeface="IBM Plex Sans KR Medium" panose="020B0603050203000203" pitchFamily="50" charset="-127"/>
-            </a:endParaRPr>
           </a:p>
         </p:txBody>
       </p:sp>
@@ -24109,41 +23680,7 @@
                 <a:latin typeface="IBM Plex Sans KR Light" panose="020B0403050203000203" pitchFamily="50" charset="-127"/>
                 <a:ea typeface="IBM Plex Sans KR Light" panose="020B0403050203000203" pitchFamily="50" charset="-127"/>
               </a:rPr>
-              <a:t>천천히 프로젝트를 발전시키고 최종적으로 </a:t>
-            </a:r>
-            <a:r>
-              <a:rPr lang="ko-KR" altLang="en-US" sz="2000" baseline="-25000" dirty="0" smtClean="0">
-                <a:ln>
-                  <a:solidFill>
-                    <a:srgbClr val="1D4098">
-                      <a:alpha val="0"/>
-                    </a:srgbClr>
-                  </a:solidFill>
-                </a:ln>
-                <a:solidFill>
-                  <a:schemeClr val="bg1"/>
-                </a:solidFill>
-                <a:latin typeface="IBM Plex Sans KR Light" panose="020B0403050203000203" pitchFamily="50" charset="-127"/>
-                <a:ea typeface="IBM Plex Sans KR Light" panose="020B0403050203000203" pitchFamily="50" charset="-127"/>
-              </a:rPr>
-              <a:t>완성하는 </a:t>
-            </a:r>
-            <a:r>
-              <a:rPr lang="ko-KR" altLang="en-US" sz="2000" baseline="-25000" dirty="0">
-                <a:ln>
-                  <a:solidFill>
-                    <a:srgbClr val="1D4098">
-                      <a:alpha val="0"/>
-                    </a:srgbClr>
-                  </a:solidFill>
-                </a:ln>
-                <a:solidFill>
-                  <a:schemeClr val="bg1"/>
-                </a:solidFill>
-                <a:latin typeface="IBM Plex Sans KR Light" panose="020B0403050203000203" pitchFamily="50" charset="-127"/>
-                <a:ea typeface="IBM Plex Sans KR Light" panose="020B0403050203000203" pitchFamily="50" charset="-127"/>
-              </a:rPr>
-              <a:t>것이 큰 도움이 되었습니다</a:t>
+              <a:t>천천히 프로젝트를 발전시키고 최종적으로 완성하는 것이 큰 도움이 되었습니다</a:t>
             </a:r>
             <a:r>
               <a:rPr lang="en-US" altLang="ko-KR" sz="2000" baseline="-25000" dirty="0">
@@ -24218,43 +23755,9 @@
                 <a:latin typeface="IBM Plex Sans KR Light" panose="020B0403050203000203" pitchFamily="50" charset="-127"/>
                 <a:ea typeface="IBM Plex Sans KR Light" panose="020B0403050203000203" pitchFamily="50" charset="-127"/>
               </a:rPr>
-              <a:t> </a:t>
-            </a:r>
-            <a:r>
-              <a:rPr lang="ko-KR" altLang="en-US" sz="2000" baseline="-25000" dirty="0" smtClean="0">
-                <a:ln>
-                  <a:solidFill>
-                    <a:srgbClr val="1D4098">
-                      <a:alpha val="0"/>
-                    </a:srgbClr>
-                  </a:solidFill>
-                </a:ln>
-                <a:solidFill>
-                  <a:schemeClr val="bg1"/>
-                </a:solidFill>
-                <a:latin typeface="IBM Plex Sans KR Light" panose="020B0403050203000203" pitchFamily="50" charset="-127"/>
-                <a:ea typeface="IBM Plex Sans KR Light" panose="020B0403050203000203" pitchFamily="50" charset="-127"/>
-              </a:rPr>
-              <a:t>모든 </a:t>
-            </a:r>
-            <a:r>
-              <a:rPr lang="ko-KR" altLang="en-US" sz="2000" baseline="-25000" dirty="0">
-                <a:ln>
-                  <a:solidFill>
-                    <a:srgbClr val="1D4098">
-                      <a:alpha val="0"/>
-                    </a:srgbClr>
-                  </a:solidFill>
-                </a:ln>
-                <a:solidFill>
-                  <a:schemeClr val="bg1"/>
-                </a:solidFill>
-                <a:latin typeface="IBM Plex Sans KR Light" panose="020B0403050203000203" pitchFamily="50" charset="-127"/>
-                <a:ea typeface="IBM Plex Sans KR Light" panose="020B0403050203000203" pitchFamily="50" charset="-127"/>
-              </a:rPr>
-              <a:t>과정을 </a:t>
-            </a:r>
-            <a:endParaRPr lang="en-US" altLang="ko-KR" sz="2000" baseline="-25000" dirty="0" smtClean="0">
+              <a:t> 모든 과정을 </a:t>
+            </a:r>
+            <a:endParaRPr lang="en-US" altLang="ko-KR" sz="2000" baseline="-25000" dirty="0">
               <a:ln>
                 <a:solidFill>
                   <a:srgbClr val="1D4098">
@@ -24276,7 +23779,7 @@
               </a:lnSpc>
             </a:pPr>
             <a:r>
-              <a:rPr lang="ko-KR" altLang="en-US" sz="2000" baseline="-25000" dirty="0" smtClean="0">
+              <a:rPr lang="ko-KR" altLang="en-US" sz="2000" baseline="-25000" dirty="0">
                 <a:ln>
                   <a:solidFill>
                     <a:srgbClr val="1D4098">
@@ -24290,27 +23793,10 @@
                 <a:latin typeface="IBM Plex Sans KR Light" panose="020B0403050203000203" pitchFamily="50" charset="-127"/>
                 <a:ea typeface="IBM Plex Sans KR Light" panose="020B0403050203000203" pitchFamily="50" charset="-127"/>
               </a:rPr>
-              <a:t>맛 </a:t>
-            </a:r>
-            <a:r>
-              <a:rPr lang="ko-KR" altLang="en-US" sz="2000" baseline="-25000" dirty="0">
-                <a:ln>
-                  <a:solidFill>
-                    <a:srgbClr val="1D4098">
-                      <a:alpha val="0"/>
-                    </a:srgbClr>
-                  </a:solidFill>
-                </a:ln>
-                <a:solidFill>
-                  <a:schemeClr val="bg1"/>
-                </a:solidFill>
-                <a:latin typeface="IBM Plex Sans KR Light" panose="020B0403050203000203" pitchFamily="50" charset="-127"/>
-                <a:ea typeface="IBM Plex Sans KR Light" panose="020B0403050203000203" pitchFamily="50" charset="-127"/>
-              </a:rPr>
-              <a:t>보며 많이 배웠습니다</a:t>
-            </a:r>
-            <a:r>
-              <a:rPr lang="en-US" altLang="ko-KR" sz="2000" baseline="-25000" dirty="0" smtClean="0">
+              <a:t>맛 보며 많이 배웠습니다</a:t>
+            </a:r>
+            <a:r>
+              <a:rPr lang="en-US" altLang="ko-KR" sz="2000" baseline="-25000" dirty="0">
                 <a:ln>
                   <a:solidFill>
                     <a:srgbClr val="1D4098">
@@ -24371,7 +23857,7 @@
               </a:rPr>
               <a:t>아쉬움이 많이 남긴 하지만 이를 발판으로 </a:t>
             </a:r>
-            <a:endParaRPr lang="en-US" altLang="ko-KR" sz="2000" baseline="-25000" dirty="0" smtClean="0">
+            <a:endParaRPr lang="en-US" altLang="ko-KR" sz="2000" baseline="-25000" dirty="0">
               <a:ln>
                 <a:solidFill>
                   <a:srgbClr val="1D4098">
@@ -24393,7 +23879,7 @@
               </a:lnSpc>
             </a:pPr>
             <a:r>
-              <a:rPr lang="ko-KR" altLang="en-US" sz="2000" baseline="-25000" dirty="0" smtClean="0">
+              <a:rPr lang="ko-KR" altLang="en-US" sz="2000" baseline="-25000" dirty="0">
                 <a:ln>
                   <a:solidFill>
                     <a:srgbClr val="1D4098">
@@ -24407,10 +23893,10 @@
                 <a:latin typeface="IBM Plex Sans KR Light" panose="020B0403050203000203" pitchFamily="50" charset="-127"/>
                 <a:ea typeface="IBM Plex Sans KR Light" panose="020B0403050203000203" pitchFamily="50" charset="-127"/>
               </a:rPr>
-              <a:t>계속해서 </a:t>
-            </a:r>
-            <a:r>
-              <a:rPr lang="ko-KR" altLang="en-US" sz="2000" baseline="-25000" dirty="0">
+              <a:t>계속해서 성장하는 </a:t>
+            </a:r>
+            <a:r>
+              <a:rPr lang="ko-KR" altLang="en-US" sz="2000" baseline="-25000" dirty="0" err="1">
                 <a:ln>
                   <a:solidFill>
                     <a:srgbClr val="1D4098">
@@ -24424,10 +23910,10 @@
                 <a:latin typeface="IBM Plex Sans KR Light" panose="020B0403050203000203" pitchFamily="50" charset="-127"/>
                 <a:ea typeface="IBM Plex Sans KR Light" panose="020B0403050203000203" pitchFamily="50" charset="-127"/>
               </a:rPr>
-              <a:t>성장하는 </a:t>
-            </a:r>
-            <a:r>
-              <a:rPr lang="ko-KR" altLang="en-US" sz="2000" baseline="-25000" dirty="0" err="1">
+              <a:t>성장형</a:t>
+            </a:r>
+            <a:r>
+              <a:rPr lang="ko-KR" altLang="en-US" sz="2000" baseline="-25000" dirty="0">
                 <a:ln>
                   <a:solidFill>
                     <a:srgbClr val="1D4098">
@@ -24441,39 +23927,8 @@
                 <a:latin typeface="IBM Plex Sans KR Light" panose="020B0403050203000203" pitchFamily="50" charset="-127"/>
                 <a:ea typeface="IBM Plex Sans KR Light" panose="020B0403050203000203" pitchFamily="50" charset="-127"/>
               </a:rPr>
-              <a:t>성장형</a:t>
-            </a:r>
-            <a:r>
-              <a:rPr lang="ko-KR" altLang="en-US" sz="2000" baseline="-25000" dirty="0">
-                <a:ln>
-                  <a:solidFill>
-                    <a:srgbClr val="1D4098">
-                      <a:alpha val="0"/>
-                    </a:srgbClr>
-                  </a:solidFill>
-                </a:ln>
-                <a:solidFill>
-                  <a:schemeClr val="bg1"/>
-                </a:solidFill>
-                <a:latin typeface="IBM Plex Sans KR Light" panose="020B0403050203000203" pitchFamily="50" charset="-127"/>
-                <a:ea typeface="IBM Plex Sans KR Light" panose="020B0403050203000203" pitchFamily="50" charset="-127"/>
-              </a:rPr>
               <a:t> 개발자가 되겠습니다</a:t>
             </a:r>
-            <a:endParaRPr lang="ko-KR" altLang="en-US" sz="2000" baseline="-25000" dirty="0">
-              <a:ln>
-                <a:solidFill>
-                  <a:srgbClr val="1D4098">
-                    <a:alpha val="0"/>
-                  </a:srgbClr>
-                </a:solidFill>
-              </a:ln>
-              <a:solidFill>
-                <a:schemeClr val="bg1"/>
-              </a:solidFill>
-              <a:latin typeface="IBM Plex Sans KR Light" panose="020B0403050203000203" pitchFamily="50" charset="-127"/>
-              <a:ea typeface="IBM Plex Sans KR Light" panose="020B0403050203000203" pitchFamily="50" charset="-127"/>
-            </a:endParaRPr>
           </a:p>
         </p:txBody>
       </p:sp>
@@ -24499,13 +23954,6 @@
       </p:transition>
     </mc:Fallback>
   </mc:AlternateContent>
-  <p:timing>
-    <p:tnLst>
-      <p:par>
-        <p:cTn id="1" dur="indefinite" restart="never" nodeType="tmRoot"/>
-      </p:par>
-    </p:tnLst>
-  </p:timing>
 </p:sld>
 </file>
 
@@ -25039,13 +24487,6 @@
       </p:transition>
     </mc:Fallback>
   </mc:AlternateContent>
-  <p:timing>
-    <p:tnLst>
-      <p:par>
-        <p:cTn id="1" dur="indefinite" restart="never" nodeType="tmRoot"/>
-      </p:par>
-    </p:tnLst>
-  </p:timing>
 </p:sld>
 </file>
 
@@ -25198,7 +24639,7 @@
           <a:lstStyle/>
           <a:p>
             <a:r>
-              <a:rPr lang="ko-KR" altLang="en-US" sz="7200" dirty="0" smtClean="0">
+              <a:rPr lang="ko-KR" altLang="en-US" sz="7200" dirty="0">
                 <a:ln>
                   <a:solidFill>
                     <a:srgbClr val="1D4098">
@@ -25216,22 +24657,6 @@
               </a:rPr>
               <a:t>구해줘 홈즈</a:t>
             </a:r>
-            <a:endParaRPr lang="ko-KR" altLang="en-US" sz="7200" dirty="0">
-              <a:ln>
-                <a:solidFill>
-                  <a:srgbClr val="1D4098">
-                    <a:alpha val="0"/>
-                  </a:srgbClr>
-                </a:solidFill>
-              </a:ln>
-              <a:solidFill>
-                <a:schemeClr val="bg1">
-                  <a:alpha val="20000"/>
-                </a:schemeClr>
-              </a:solidFill>
-              <a:latin typeface="Segoe UI Black" panose="020B0A02040204020203" pitchFamily="34" charset="0"/>
-              <a:ea typeface="IBM Plex Sans KR SemiBold" panose="020B0703050203000203" pitchFamily="50" charset="-127"/>
-            </a:endParaRPr>
           </a:p>
         </p:txBody>
       </p:sp>
@@ -25326,7 +24751,7 @@
           <a:lstStyle/>
           <a:p>
             <a:r>
-              <a:rPr lang="en-US" altLang="ko-KR" sz="7200" dirty="0" smtClean="0">
+              <a:rPr lang="en-US" altLang="ko-KR" sz="7200" dirty="0">
                 <a:ln>
                   <a:solidFill>
                     <a:srgbClr val="1D4098">
@@ -25345,7 +24770,7 @@
               <a:t>SSAFY 8</a:t>
             </a:r>
             <a:r>
-              <a:rPr lang="en-US" altLang="ko-KR" sz="7200" baseline="30000" dirty="0" smtClean="0">
+              <a:rPr lang="en-US" altLang="ko-KR" sz="7200" baseline="30000" dirty="0">
                 <a:ln>
                   <a:solidFill>
                     <a:srgbClr val="1D4098">
@@ -25364,7 +24789,7 @@
               <a:t>th</a:t>
             </a:r>
             <a:r>
-              <a:rPr lang="en-US" altLang="ko-KR" sz="7200" dirty="0" smtClean="0">
+              <a:rPr lang="en-US" altLang="ko-KR" sz="7200" dirty="0">
                 <a:ln>
                   <a:solidFill>
                     <a:srgbClr val="1D4098">
@@ -25430,7 +24855,7 @@
           <a:lstStyle/>
           <a:p>
             <a:r>
-              <a:rPr lang="ko-KR" altLang="en-US" sz="5400" dirty="0" smtClean="0">
+              <a:rPr lang="ko-KR" altLang="en-US" sz="5400" dirty="0">
                 <a:ln>
                   <a:solidFill>
                     <a:srgbClr val="1D4098">
@@ -25453,27 +24878,6 @@
               </a:rPr>
               <a:t>감사합니다</a:t>
             </a:r>
-            <a:endParaRPr lang="ko-KR" altLang="en-US" sz="5400" dirty="0">
-              <a:ln>
-                <a:solidFill>
-                  <a:srgbClr val="1D4098">
-                    <a:alpha val="0"/>
-                  </a:srgbClr>
-                </a:solidFill>
-              </a:ln>
-              <a:solidFill>
-                <a:schemeClr val="bg1"/>
-              </a:solidFill>
-              <a:effectLst>
-                <a:outerShdw blurRad="38100" dist="38100" dir="2700000" algn="tl">
-                  <a:srgbClr val="000000">
-                    <a:alpha val="43137"/>
-                  </a:srgbClr>
-                </a:outerShdw>
-              </a:effectLst>
-              <a:latin typeface="IBM Plex Sans KR SemiBold" panose="020B0703050203000203" pitchFamily="50" charset="-127"/>
-              <a:ea typeface="IBM Plex Sans KR SemiBold" panose="020B0703050203000203" pitchFamily="50" charset="-127"/>
-            </a:endParaRPr>
           </a:p>
         </p:txBody>
       </p:sp>
@@ -25499,13 +24903,6 @@
       </p:transition>
     </mc:Fallback>
   </mc:AlternateContent>
-  <p:timing>
-    <p:tnLst>
-      <p:par>
-        <p:cTn id="1" dur="indefinite" restart="never" nodeType="tmRoot"/>
-      </p:par>
-    </p:tnLst>
-  </p:timing>
 </p:sld>
 </file>
 
@@ -25670,7 +25067,7 @@
           <a:lstStyle/>
           <a:p>
             <a:r>
-              <a:rPr lang="ko-KR" altLang="en-US" sz="3600" dirty="0" smtClean="0">
+              <a:rPr lang="ko-KR" altLang="en-US" sz="3600" dirty="0">
                 <a:ln>
                   <a:solidFill>
                     <a:srgbClr val="1D4098">
@@ -25760,7 +25157,7 @@
               </a:lnSpc>
             </a:pPr>
             <a:r>
-              <a:rPr lang="ko-KR" altLang="en-US" baseline="-25000" dirty="0" smtClean="0">
+              <a:rPr lang="ko-KR" altLang="en-US" baseline="-25000" dirty="0">
                 <a:ln>
                   <a:solidFill>
                     <a:srgbClr val="1D4098">
@@ -25777,7 +25174,7 @@
               <a:t>공공 데이터</a:t>
             </a:r>
             <a:r>
-              <a:rPr lang="en-US" altLang="ko-KR" baseline="-25000" dirty="0" smtClean="0">
+              <a:rPr lang="en-US" altLang="ko-KR" baseline="-25000" dirty="0">
                 <a:ln>
                   <a:solidFill>
                     <a:srgbClr val="1D4098">
@@ -25859,10 +25256,10 @@
                 <a:latin typeface="IBM Plex Sans KR Light" panose="020B0403050203000203" pitchFamily="50" charset="-127"/>
                 <a:ea typeface="IBM Plex Sans KR Light" panose="020B0403050203000203" pitchFamily="50" charset="-127"/>
               </a:rPr>
-              <a:t> </a:t>
-            </a:r>
-            <a:r>
-              <a:rPr lang="ko-KR" altLang="en-US" baseline="-25000" dirty="0" smtClean="0">
+              <a:t>  상세 자료</a:t>
+            </a:r>
+            <a:r>
+              <a:rPr lang="en-US" altLang="ko-KR" baseline="-25000" dirty="0">
                 <a:ln>
                   <a:solidFill>
                     <a:srgbClr val="1D4098">
@@ -25876,10 +25273,10 @@
                 <a:latin typeface="IBM Plex Sans KR Light" panose="020B0403050203000203" pitchFamily="50" charset="-127"/>
                 <a:ea typeface="IBM Plex Sans KR Light" panose="020B0403050203000203" pitchFamily="50" charset="-127"/>
               </a:rPr>
-              <a:t> 상세 자료</a:t>
-            </a:r>
-            <a:r>
-              <a:rPr lang="en-US" altLang="ko-KR" baseline="-25000" dirty="0" smtClean="0">
+              <a:t>)</a:t>
+            </a:r>
+            <a:r>
+              <a:rPr lang="ko-KR" altLang="en-US" baseline="-25000" dirty="0">
                 <a:ln>
                   <a:solidFill>
                     <a:srgbClr val="1D4098">
@@ -25893,10 +25290,10 @@
                 <a:latin typeface="IBM Plex Sans KR Light" panose="020B0403050203000203" pitchFamily="50" charset="-127"/>
                 <a:ea typeface="IBM Plex Sans KR Light" panose="020B0403050203000203" pitchFamily="50" charset="-127"/>
               </a:rPr>
-              <a:t>)</a:t>
-            </a:r>
-            <a:r>
-              <a:rPr lang="ko-KR" altLang="en-US" baseline="-25000" dirty="0" smtClean="0">
+              <a:t>와 카카오 지도 </a:t>
+            </a:r>
+            <a:r>
+              <a:rPr lang="en-US" altLang="ko-KR" baseline="-25000" dirty="0">
                 <a:ln>
                   <a:solidFill>
                     <a:srgbClr val="1D4098">
@@ -25910,10 +25307,10 @@
                 <a:latin typeface="IBM Plex Sans KR Light" panose="020B0403050203000203" pitchFamily="50" charset="-127"/>
                 <a:ea typeface="IBM Plex Sans KR Light" panose="020B0403050203000203" pitchFamily="50" charset="-127"/>
               </a:rPr>
-              <a:t>와 카카오 지도 </a:t>
-            </a:r>
-            <a:r>
-              <a:rPr lang="en-US" altLang="ko-KR" baseline="-25000" dirty="0" smtClean="0">
+              <a:t>API</a:t>
+            </a:r>
+            <a:r>
+              <a:rPr lang="ko-KR" altLang="en-US" baseline="-25000" dirty="0">
                 <a:ln>
                   <a:solidFill>
                     <a:srgbClr val="1D4098">
@@ -25927,26 +25324,9 @@
                 <a:latin typeface="IBM Plex Sans KR Light" panose="020B0403050203000203" pitchFamily="50" charset="-127"/>
                 <a:ea typeface="IBM Plex Sans KR Light" panose="020B0403050203000203" pitchFamily="50" charset="-127"/>
               </a:rPr>
-              <a:t>API</a:t>
-            </a:r>
-            <a:r>
-              <a:rPr lang="ko-KR" altLang="en-US" baseline="-25000" dirty="0" smtClean="0">
-                <a:ln>
-                  <a:solidFill>
-                    <a:srgbClr val="1D4098">
-                      <a:alpha val="0"/>
-                    </a:srgbClr>
-                  </a:solidFill>
-                </a:ln>
-                <a:solidFill>
-                  <a:schemeClr val="bg1"/>
-                </a:solidFill>
-                <a:latin typeface="IBM Plex Sans KR Light" panose="020B0403050203000203" pitchFamily="50" charset="-127"/>
-                <a:ea typeface="IBM Plex Sans KR Light" panose="020B0403050203000203" pitchFamily="50" charset="-127"/>
-              </a:rPr>
               <a:t>를 활용한</a:t>
             </a:r>
-            <a:endParaRPr lang="en-US" altLang="ko-KR" baseline="-25000" dirty="0" smtClean="0">
+            <a:endParaRPr lang="en-US" altLang="ko-KR" baseline="-25000" dirty="0">
               <a:ln>
                 <a:solidFill>
                   <a:srgbClr val="1D4098">
@@ -25968,7 +25348,7 @@
               </a:lnSpc>
             </a:pPr>
             <a:r>
-              <a:rPr lang="ko-KR" altLang="en-US" baseline="-25000" dirty="0" smtClean="0">
+              <a:rPr lang="ko-KR" altLang="en-US" baseline="-25000" dirty="0">
                 <a:ln>
                   <a:solidFill>
                     <a:srgbClr val="1D4098">
@@ -25984,20 +25364,6 @@
               </a:rPr>
               <a:t>지역 별 매매 내역 검색 서비스를 제공하는 웹 사이트 제작</a:t>
             </a:r>
-            <a:endParaRPr lang="ko-KR" altLang="en-US" baseline="-25000" dirty="0">
-              <a:ln>
-                <a:solidFill>
-                  <a:srgbClr val="1D4098">
-                    <a:alpha val="0"/>
-                  </a:srgbClr>
-                </a:solidFill>
-              </a:ln>
-              <a:solidFill>
-                <a:schemeClr val="bg1"/>
-              </a:solidFill>
-              <a:latin typeface="IBM Plex Sans KR Light" panose="020B0403050203000203" pitchFamily="50" charset="-127"/>
-              <a:ea typeface="IBM Plex Sans KR Light" panose="020B0403050203000203" pitchFamily="50" charset="-127"/>
-            </a:endParaRPr>
           </a:p>
         </p:txBody>
       </p:sp>
@@ -26246,7 +25612,7 @@
           <a:p>
             <a:pPr algn="ctr"/>
             <a:r>
-              <a:rPr lang="ko-KR" altLang="en-US" sz="1600" b="1" dirty="0" smtClean="0">
+              <a:rPr lang="ko-KR" altLang="en-US" sz="1600" b="1" dirty="0">
                 <a:ln>
                   <a:solidFill>
                     <a:srgbClr val="1D4098">
@@ -26266,7 +25632,7 @@
               <a:t>공공데이터와 카카오 지도 </a:t>
             </a:r>
             <a:r>
-              <a:rPr lang="en-US" altLang="ko-KR" sz="1600" b="1" dirty="0" smtClean="0">
+              <a:rPr lang="en-US" altLang="ko-KR" sz="1600" b="1" dirty="0">
                 <a:ln>
                   <a:solidFill>
                     <a:srgbClr val="1D4098">
@@ -26580,13 +25946,6 @@
       </p:transition>
     </mc:Fallback>
   </mc:AlternateContent>
-  <p:timing>
-    <p:tnLst>
-      <p:par>
-        <p:cTn id="1" dur="indefinite" restart="never" nodeType="tmRoot"/>
-      </p:par>
-    </p:tnLst>
-  </p:timing>
 </p:sld>
 </file>
 
@@ -26751,7 +26110,7 @@
           <a:lstStyle/>
           <a:p>
             <a:r>
-              <a:rPr lang="ko-KR" altLang="en-US" sz="3600" dirty="0" smtClean="0">
+              <a:rPr lang="ko-KR" altLang="en-US" sz="3600" dirty="0">
                 <a:ln>
                   <a:solidFill>
                     <a:srgbClr val="1D4098">
@@ -26841,7 +26200,7 @@
               </a:lnSpc>
             </a:pPr>
             <a:r>
-              <a:rPr lang="en-US" altLang="ko-KR" baseline="-25000" dirty="0" smtClean="0">
+              <a:rPr lang="en-US" altLang="ko-KR" baseline="-25000" dirty="0">
                 <a:ln>
                   <a:solidFill>
                     <a:srgbClr val="1D4098">
@@ -26858,7 +26217,7 @@
               <a:t>JWT</a:t>
             </a:r>
             <a:r>
-              <a:rPr lang="ko-KR" altLang="en-US" baseline="-25000" dirty="0" smtClean="0">
+              <a:rPr lang="ko-KR" altLang="en-US" baseline="-25000" dirty="0">
                 <a:ln>
                   <a:solidFill>
                     <a:srgbClr val="1D4098">
@@ -26875,7 +26234,7 @@
               <a:t>를 사용하여 메뉴에 대한 방문자 및 회원의 접근 권한을 제어합니다</a:t>
             </a:r>
             <a:r>
-              <a:rPr lang="en-US" altLang="ko-KR" baseline="-25000" dirty="0" smtClean="0">
+              <a:rPr lang="en-US" altLang="ko-KR" baseline="-25000" dirty="0">
                 <a:ln>
                   <a:solidFill>
                     <a:srgbClr val="1D4098">
@@ -26892,7 +26251,7 @@
               <a:t>.</a:t>
             </a:r>
             <a:r>
-              <a:rPr lang="ko-KR" altLang="en-US" dirty="0" smtClean="0">
+              <a:rPr lang="ko-KR" altLang="en-US" dirty="0">
                 <a:ln>
                   <a:solidFill>
                     <a:srgbClr val="1D4098">
@@ -26908,7 +26267,7 @@
               </a:rPr>
               <a:t> </a:t>
             </a:r>
-            <a:endParaRPr lang="en-US" altLang="ko-KR" baseline="-25000" dirty="0" smtClean="0">
+            <a:endParaRPr lang="en-US" altLang="ko-KR" baseline="-25000" dirty="0">
               <a:ln>
                 <a:solidFill>
                   <a:srgbClr val="1D4098">
@@ -27170,7 +26529,7 @@
           <a:p>
             <a:pPr algn="ctr"/>
             <a:r>
-              <a:rPr lang="en-US" altLang="ko-KR" sz="1600" b="1" dirty="0" smtClean="0">
+              <a:rPr lang="en-US" altLang="ko-KR" sz="1600" b="1" dirty="0">
                 <a:ln>
                   <a:solidFill>
                     <a:srgbClr val="1D4098">
@@ -27190,7 +26549,7 @@
               <a:t>JWT </a:t>
             </a:r>
             <a:r>
-              <a:rPr lang="ko-KR" altLang="en-US" sz="1600" b="1" dirty="0" smtClean="0">
+              <a:rPr lang="ko-KR" altLang="en-US" sz="1600" b="1" dirty="0">
                 <a:ln>
                   <a:solidFill>
                     <a:srgbClr val="1D4098">
@@ -27209,23 +26568,6 @@
               </a:rPr>
               <a:t>로그인</a:t>
             </a:r>
-            <a:endParaRPr lang="ko-KR" altLang="en-US" sz="1600" b="1" dirty="0">
-              <a:ln>
-                <a:solidFill>
-                  <a:srgbClr val="1D4098">
-                    <a:alpha val="0"/>
-                  </a:srgbClr>
-                </a:solidFill>
-              </a:ln>
-              <a:solidFill>
-                <a:schemeClr val="tx1">
-                  <a:lumMod val="75000"/>
-                  <a:lumOff val="25000"/>
-                </a:schemeClr>
-              </a:solidFill>
-              <a:latin typeface="IBM Plex Sans KR Medium" panose="020B0603050203000203" pitchFamily="50" charset="-127"/>
-              <a:ea typeface="IBM Plex Sans KR Medium" panose="020B0603050203000203" pitchFamily="50" charset="-127"/>
-            </a:endParaRPr>
           </a:p>
         </p:txBody>
       </p:sp>
@@ -27251,7 +26593,7 @@
           <a:lstStyle/>
           <a:p>
             <a:r>
-              <a:rPr lang="en-US" altLang="ko-KR" dirty="0" smtClean="0">
+              <a:rPr lang="en-US" altLang="ko-KR" dirty="0">
                 <a:ln>
                   <a:solidFill>
                     <a:srgbClr val="1D4098">
@@ -27268,7 +26610,7 @@
               <a:t>JWT </a:t>
             </a:r>
             <a:r>
-              <a:rPr lang="ko-KR" altLang="en-US" dirty="0" smtClean="0">
+              <a:rPr lang="ko-KR" altLang="en-US" dirty="0">
                 <a:ln>
                   <a:solidFill>
                     <a:srgbClr val="1D4098">
@@ -27440,13 +26782,6 @@
       </p:transition>
     </mc:Fallback>
   </mc:AlternateContent>
-  <p:timing>
-    <p:tnLst>
-      <p:par>
-        <p:cTn id="1" dur="indefinite" restart="never" nodeType="tmRoot"/>
-      </p:par>
-    </p:tnLst>
-  </p:timing>
 </p:sld>
 </file>
 
@@ -27611,7 +26946,7 @@
           <a:lstStyle/>
           <a:p>
             <a:r>
-              <a:rPr lang="ko-KR" altLang="en-US" sz="3600" dirty="0" smtClean="0">
+              <a:rPr lang="ko-KR" altLang="en-US" sz="3600" dirty="0">
                 <a:ln>
                   <a:solidFill>
                     <a:srgbClr val="1D4098">
@@ -27701,7 +27036,7 @@
               </a:lnSpc>
             </a:pPr>
             <a:r>
-              <a:rPr lang="ko-KR" altLang="en-US" baseline="-25000" dirty="0" smtClean="0">
+              <a:rPr lang="ko-KR" altLang="en-US" baseline="-25000" dirty="0">
                 <a:ln>
                   <a:solidFill>
                     <a:srgbClr val="1D4098">
@@ -27718,7 +27053,7 @@
               <a:t>기존 계정에 네이버 아이디를 연동할 수 있습니다</a:t>
             </a:r>
             <a:r>
-              <a:rPr lang="en-US" altLang="ko-KR" baseline="-25000" dirty="0" smtClean="0">
+              <a:rPr lang="en-US" altLang="ko-KR" baseline="-25000" dirty="0">
                 <a:ln>
                   <a:solidFill>
                     <a:srgbClr val="1D4098">
@@ -27742,7 +27077,7 @@
               </a:lnSpc>
             </a:pPr>
             <a:r>
-              <a:rPr lang="ko-KR" altLang="en-US" baseline="-25000" dirty="0" smtClean="0">
+              <a:rPr lang="ko-KR" altLang="en-US" baseline="-25000" dirty="0">
                 <a:ln>
                   <a:solidFill>
                     <a:srgbClr val="1D4098">
@@ -27759,7 +27094,7 @@
               <a:t>다음 로그인부터는 네이버 아이디로 간편하게 로그인 할 수 있습니다</a:t>
             </a:r>
             <a:r>
-              <a:rPr lang="en-US" altLang="ko-KR" baseline="-25000" dirty="0" smtClean="0">
+              <a:rPr lang="en-US" altLang="ko-KR" baseline="-25000" dirty="0">
                 <a:ln>
                   <a:solidFill>
                     <a:srgbClr val="1D4098">
@@ -27783,7 +27118,7 @@
               </a:lnSpc>
             </a:pPr>
             <a:r>
-              <a:rPr lang="ko-KR" altLang="en-US" baseline="-25000" dirty="0" smtClean="0">
+              <a:rPr lang="ko-KR" altLang="en-US" baseline="-25000" dirty="0">
                 <a:ln>
                   <a:solidFill>
                     <a:srgbClr val="1D4098">
@@ -27800,7 +27135,7 @@
               <a:t>이를 통해 사용자의 편의성을 향상 시키고자 했습니다</a:t>
             </a:r>
             <a:r>
-              <a:rPr lang="en-US" altLang="ko-KR" baseline="-25000" dirty="0" smtClean="0">
+              <a:rPr lang="en-US" altLang="ko-KR" baseline="-25000" dirty="0">
                 <a:ln>
                   <a:solidFill>
                     <a:srgbClr val="1D4098">
@@ -28064,7 +27399,7 @@
           <a:p>
             <a:pPr algn="ctr"/>
             <a:r>
-              <a:rPr lang="ko-KR" altLang="en-US" sz="1600" b="1" dirty="0" smtClean="0">
+              <a:rPr lang="ko-KR" altLang="en-US" sz="1600" b="1" dirty="0">
                 <a:ln>
                   <a:solidFill>
                     <a:srgbClr val="1D4098">
@@ -28083,23 +27418,6 @@
               </a:rPr>
               <a:t>네이버 로그인 연동</a:t>
             </a:r>
-            <a:endParaRPr lang="ko-KR" altLang="en-US" sz="1600" b="1" dirty="0">
-              <a:ln>
-                <a:solidFill>
-                  <a:srgbClr val="1D4098">
-                    <a:alpha val="0"/>
-                  </a:srgbClr>
-                </a:solidFill>
-              </a:ln>
-              <a:solidFill>
-                <a:schemeClr val="tx1">
-                  <a:lumMod val="75000"/>
-                  <a:lumOff val="25000"/>
-                </a:schemeClr>
-              </a:solidFill>
-              <a:latin typeface="IBM Plex Sans KR Medium" panose="020B0603050203000203" pitchFamily="50" charset="-127"/>
-              <a:ea typeface="IBM Plex Sans KR Medium" panose="020B0603050203000203" pitchFamily="50" charset="-127"/>
-            </a:endParaRPr>
           </a:p>
         </p:txBody>
       </p:sp>
@@ -28125,7 +27443,7 @@
           <a:lstStyle/>
           <a:p>
             <a:r>
-              <a:rPr lang="ko-KR" altLang="en-US" dirty="0" smtClean="0">
+              <a:rPr lang="ko-KR" altLang="en-US" dirty="0">
                 <a:ln>
                   <a:solidFill>
                     <a:srgbClr val="1D4098">
@@ -28327,13 +27645,6 @@
       </p:transition>
     </mc:Fallback>
   </mc:AlternateContent>
-  <p:timing>
-    <p:tnLst>
-      <p:par>
-        <p:cTn id="1" dur="indefinite" restart="never" nodeType="tmRoot"/>
-      </p:par>
-    </p:tnLst>
-  </p:timing>
 </p:sld>
 </file>
 
@@ -28498,7 +27809,7 @@
           <a:lstStyle/>
           <a:p>
             <a:r>
-              <a:rPr lang="ko-KR" altLang="en-US" sz="3600" dirty="0" smtClean="0">
+              <a:rPr lang="ko-KR" altLang="en-US" sz="3600" dirty="0">
                 <a:ln>
                   <a:solidFill>
                     <a:srgbClr val="1D4098">
@@ -28588,7 +27899,7 @@
               </a:lnSpc>
             </a:pPr>
             <a:r>
-              <a:rPr lang="ko-KR" altLang="en-US" baseline="-25000" dirty="0" smtClean="0">
+              <a:rPr lang="ko-KR" altLang="en-US" baseline="-25000" dirty="0">
                 <a:ln>
                   <a:solidFill>
                     <a:srgbClr val="1D4098">
@@ -28605,7 +27916,7 @@
               <a:t>공지사항과 </a:t>
             </a:r>
             <a:r>
-              <a:rPr lang="en-US" altLang="ko-KR" baseline="-25000" dirty="0" err="1" smtClean="0">
+              <a:rPr lang="en-US" altLang="ko-KR" baseline="-25000" dirty="0" err="1">
                 <a:ln>
                   <a:solidFill>
                     <a:srgbClr val="1D4098">
@@ -28622,7 +27933,7 @@
               <a:t>QnA</a:t>
             </a:r>
             <a:r>
-              <a:rPr lang="en-US" altLang="ko-KR" baseline="-25000" dirty="0" smtClean="0">
+              <a:rPr lang="en-US" altLang="ko-KR" baseline="-25000" dirty="0">
                 <a:ln>
                   <a:solidFill>
                     <a:srgbClr val="1D4098">
@@ -28639,7 +27950,7 @@
               <a:t> </a:t>
             </a:r>
             <a:r>
-              <a:rPr lang="ko-KR" altLang="en-US" baseline="-25000" dirty="0" smtClean="0">
+              <a:rPr lang="ko-KR" altLang="en-US" baseline="-25000" dirty="0">
                 <a:ln>
                   <a:solidFill>
                     <a:srgbClr val="1D4098">
@@ -28655,7 +27966,7 @@
               </a:rPr>
               <a:t>게시판을 통해 매매 검색 서비스만을 제공 하는 웹사이트가 아닌 </a:t>
             </a:r>
-            <a:endParaRPr lang="en-US" altLang="ko-KR" baseline="-25000" dirty="0" smtClean="0">
+            <a:endParaRPr lang="en-US" altLang="ko-KR" baseline="-25000" dirty="0">
               <a:ln>
                 <a:solidFill>
                   <a:srgbClr val="1D4098">
@@ -28677,7 +27988,7 @@
               </a:lnSpc>
             </a:pPr>
             <a:r>
-              <a:rPr lang="ko-KR" altLang="en-US" baseline="-25000" dirty="0" smtClean="0">
+              <a:rPr lang="ko-KR" altLang="en-US" baseline="-25000" dirty="0">
                 <a:ln>
                   <a:solidFill>
                     <a:srgbClr val="1D4098">
@@ -28694,7 +28005,7 @@
               <a:t>사용자와 함께하는 웹 사이트를 만들고자 했습니다</a:t>
             </a:r>
             <a:r>
-              <a:rPr lang="en-US" altLang="ko-KR" baseline="-25000" dirty="0" smtClean="0">
+              <a:rPr lang="en-US" altLang="ko-KR" baseline="-25000" dirty="0">
                 <a:ln>
                   <a:solidFill>
                     <a:srgbClr val="1D4098">
@@ -28972,7 +28283,7 @@
           <a:p>
             <a:pPr algn="ctr"/>
             <a:r>
-              <a:rPr lang="ko-KR" altLang="en-US" sz="1600" b="1" dirty="0" smtClean="0">
+              <a:rPr lang="ko-KR" altLang="en-US" sz="1600" b="1" dirty="0">
                 <a:ln>
                   <a:solidFill>
                     <a:srgbClr val="1D4098">
@@ -28992,7 +28303,7 @@
               <a:t>공지사항</a:t>
             </a:r>
             <a:r>
-              <a:rPr lang="en-US" altLang="ko-KR" sz="1600" b="1" dirty="0" smtClean="0">
+              <a:rPr lang="en-US" altLang="ko-KR" sz="1600" b="1" dirty="0">
                 <a:ln>
                   <a:solidFill>
                     <a:srgbClr val="1D4098">
@@ -29012,7 +28323,7 @@
               <a:t>, </a:t>
             </a:r>
             <a:r>
-              <a:rPr lang="en-US" altLang="ko-KR" sz="1600" b="1" dirty="0" err="1" smtClean="0">
+              <a:rPr lang="en-US" altLang="ko-KR" sz="1600" b="1" dirty="0" err="1">
                 <a:ln>
                   <a:solidFill>
                     <a:srgbClr val="1D4098">
@@ -29052,7 +28363,7 @@
               <a:t> </a:t>
             </a:r>
             <a:r>
-              <a:rPr lang="ko-KR" altLang="en-US" sz="1600" b="1" dirty="0" smtClean="0">
+              <a:rPr lang="ko-KR" altLang="en-US" sz="1600" b="1" dirty="0">
                 <a:ln>
                   <a:solidFill>
                     <a:srgbClr val="1D4098">
@@ -29071,23 +28382,6 @@
               </a:rPr>
               <a:t>관리 </a:t>
             </a:r>
-            <a:endParaRPr lang="ko-KR" altLang="en-US" sz="1600" b="1" dirty="0">
-              <a:ln>
-                <a:solidFill>
-                  <a:srgbClr val="1D4098">
-                    <a:alpha val="0"/>
-                  </a:srgbClr>
-                </a:solidFill>
-              </a:ln>
-              <a:solidFill>
-                <a:schemeClr val="tx1">
-                  <a:lumMod val="75000"/>
-                  <a:lumOff val="25000"/>
-                </a:schemeClr>
-              </a:solidFill>
-              <a:latin typeface="IBM Plex Sans KR Medium" panose="020B0603050203000203" pitchFamily="50" charset="-127"/>
-              <a:ea typeface="IBM Plex Sans KR Medium" panose="020B0603050203000203" pitchFamily="50" charset="-127"/>
-            </a:endParaRPr>
           </a:p>
         </p:txBody>
       </p:sp>
@@ -29113,7 +28407,7 @@
           <a:lstStyle/>
           <a:p>
             <a:r>
-              <a:rPr lang="ko-KR" altLang="en-US" dirty="0" smtClean="0">
+              <a:rPr lang="ko-KR" altLang="en-US" dirty="0">
                 <a:ln>
                   <a:solidFill>
                     <a:srgbClr val="1D4098">
@@ -29130,7 +28424,7 @@
               <a:t>공지사항 </a:t>
             </a:r>
             <a:r>
-              <a:rPr lang="en-US" altLang="ko-KR" dirty="0" smtClean="0">
+              <a:rPr lang="en-US" altLang="ko-KR" dirty="0">
                 <a:ln>
                   <a:solidFill>
                     <a:srgbClr val="1D4098">
@@ -29147,7 +28441,7 @@
               <a:t>&amp; </a:t>
             </a:r>
             <a:r>
-              <a:rPr lang="en-US" altLang="ko-KR" dirty="0" err="1" smtClean="0">
+              <a:rPr lang="en-US" altLang="ko-KR" dirty="0" err="1">
                 <a:ln>
                   <a:solidFill>
                     <a:srgbClr val="1D4098">
@@ -29249,13 +28543,6 @@
       </p:transition>
     </mc:Fallback>
   </mc:AlternateContent>
-  <p:timing>
-    <p:tnLst>
-      <p:par>
-        <p:cTn id="1" dur="indefinite" restart="never" nodeType="tmRoot"/>
-      </p:par>
-    </p:tnLst>
-  </p:timing>
 </p:sld>
 </file>
 
@@ -29420,7 +28707,7 @@
           <a:lstStyle/>
           <a:p>
             <a:r>
-              <a:rPr lang="ko-KR" altLang="en-US" sz="3600" dirty="0" smtClean="0">
+              <a:rPr lang="ko-KR" altLang="en-US" sz="3600" dirty="0">
                 <a:ln>
                   <a:solidFill>
                     <a:srgbClr val="1D4098">
@@ -29602,7 +28889,7 @@
               <a:t>이제는 관심 지역을 이용하여 평소 검색하는 지역들을 등록 해 편리하게 매매 검색을 이용할 수 있게 되었습니다</a:t>
             </a:r>
             <a:r>
-              <a:rPr lang="en-US" altLang="ko-KR" baseline="-25000" dirty="0" smtClean="0">
+              <a:rPr lang="en-US" altLang="ko-KR" baseline="-25000" dirty="0">
                 <a:ln>
                   <a:solidFill>
                     <a:srgbClr val="1D4098">
@@ -29618,20 +28905,6 @@
               </a:rPr>
               <a:t>.</a:t>
             </a:r>
-            <a:endParaRPr lang="en-US" altLang="ko-KR" baseline="-25000" dirty="0">
-              <a:ln>
-                <a:solidFill>
-                  <a:srgbClr val="1D4098">
-                    <a:alpha val="0"/>
-                  </a:srgbClr>
-                </a:solidFill>
-              </a:ln>
-              <a:solidFill>
-                <a:schemeClr val="bg1"/>
-              </a:solidFill>
-              <a:latin typeface="IBM Plex Sans KR Light" panose="020B0403050203000203" pitchFamily="50" charset="-127"/>
-              <a:ea typeface="IBM Plex Sans KR Light" panose="020B0403050203000203" pitchFamily="50" charset="-127"/>
-            </a:endParaRPr>
           </a:p>
         </p:txBody>
       </p:sp>
@@ -29880,7 +29153,7 @@
           <a:p>
             <a:pPr algn="ctr"/>
             <a:r>
-              <a:rPr lang="ko-KR" altLang="en-US" sz="1600" b="1" dirty="0" smtClean="0">
+              <a:rPr lang="ko-KR" altLang="en-US" sz="1600" b="1" dirty="0">
                 <a:ln>
                   <a:solidFill>
                     <a:srgbClr val="1D4098">
@@ -29899,23 +29172,6 @@
               </a:rPr>
               <a:t>관심 지역 정보 관리</a:t>
             </a:r>
-            <a:endParaRPr lang="ko-KR" altLang="en-US" sz="1600" b="1" dirty="0">
-              <a:ln>
-                <a:solidFill>
-                  <a:srgbClr val="1D4098">
-                    <a:alpha val="0"/>
-                  </a:srgbClr>
-                </a:solidFill>
-              </a:ln>
-              <a:solidFill>
-                <a:schemeClr val="tx1">
-                  <a:lumMod val="75000"/>
-                  <a:lumOff val="25000"/>
-                </a:schemeClr>
-              </a:solidFill>
-              <a:latin typeface="IBM Plex Sans KR Medium" panose="020B0603050203000203" pitchFamily="50" charset="-127"/>
-              <a:ea typeface="IBM Plex Sans KR Medium" panose="020B0603050203000203" pitchFamily="50" charset="-127"/>
-            </a:endParaRPr>
           </a:p>
         </p:txBody>
       </p:sp>
@@ -30103,13 +29359,6 @@
       </p:transition>
     </mc:Fallback>
   </mc:AlternateContent>
-  <p:timing>
-    <p:tnLst>
-      <p:par>
-        <p:cTn id="1" dur="indefinite" restart="never" nodeType="tmRoot"/>
-      </p:par>
-    </p:tnLst>
-  </p:timing>
 </p:sld>
 </file>
 
@@ -30274,7 +29523,7 @@
           <a:lstStyle/>
           <a:p>
             <a:r>
-              <a:rPr lang="ko-KR" altLang="en-US" sz="3600" dirty="0" smtClean="0">
+              <a:rPr lang="ko-KR" altLang="en-US" sz="3600" dirty="0">
                 <a:ln>
                   <a:solidFill>
                     <a:srgbClr val="1D4098">
@@ -30575,7 +29824,7 @@
           <a:p>
             <a:pPr algn="ctr"/>
             <a:r>
-              <a:rPr lang="ko-KR" altLang="en-US" sz="1600" b="1" dirty="0" err="1" smtClean="0">
+              <a:rPr lang="ko-KR" altLang="en-US" sz="1600" b="1" dirty="0" err="1">
                 <a:ln>
                   <a:solidFill>
                     <a:srgbClr val="1D4098">
@@ -30595,7 +29844,7 @@
               <a:t>동별</a:t>
             </a:r>
             <a:r>
-              <a:rPr lang="ko-KR" altLang="en-US" sz="1600" b="1" dirty="0" smtClean="0">
+              <a:rPr lang="ko-KR" altLang="en-US" sz="1600" b="1" dirty="0">
                 <a:ln>
                   <a:solidFill>
                     <a:srgbClr val="1D4098">
@@ -30614,23 +29863,6 @@
               </a:rPr>
               <a:t> 매매 평균가 조회</a:t>
             </a:r>
-            <a:endParaRPr lang="ko-KR" altLang="en-US" sz="1600" b="1" dirty="0">
-              <a:ln>
-                <a:solidFill>
-                  <a:srgbClr val="1D4098">
-                    <a:alpha val="0"/>
-                  </a:srgbClr>
-                </a:solidFill>
-              </a:ln>
-              <a:solidFill>
-                <a:schemeClr val="tx1">
-                  <a:lumMod val="75000"/>
-                  <a:lumOff val="25000"/>
-                </a:schemeClr>
-              </a:solidFill>
-              <a:latin typeface="IBM Plex Sans KR Medium" panose="020B0603050203000203" pitchFamily="50" charset="-127"/>
-              <a:ea typeface="IBM Plex Sans KR Medium" panose="020B0603050203000203" pitchFamily="50" charset="-127"/>
-            </a:endParaRPr>
           </a:p>
         </p:txBody>
       </p:sp>
@@ -30656,7 +29888,7 @@
           <a:lstStyle/>
           <a:p>
             <a:r>
-              <a:rPr lang="ko-KR" altLang="en-US" dirty="0" err="1" smtClean="0">
+              <a:rPr lang="ko-KR" altLang="en-US" dirty="0" err="1">
                 <a:ln>
                   <a:solidFill>
                     <a:srgbClr val="1D4098">
@@ -30673,7 +29905,7 @@
               <a:t>동별</a:t>
             </a:r>
             <a:r>
-              <a:rPr lang="ko-KR" altLang="en-US" dirty="0" smtClean="0">
+              <a:rPr lang="ko-KR" altLang="en-US" dirty="0">
                 <a:ln>
                   <a:solidFill>
                     <a:srgbClr val="1D4098">
@@ -30807,7 +30039,7 @@
               </a:lnSpc>
             </a:pPr>
             <a:r>
-              <a:rPr lang="ko-KR" altLang="en-US" baseline="-25000" dirty="0" smtClean="0">
+              <a:rPr lang="ko-KR" altLang="en-US" baseline="-25000" dirty="0">
                 <a:ln>
                   <a:solidFill>
                     <a:srgbClr val="1D4098">
@@ -30824,7 +30056,7 @@
               <a:t>선택한 시</a:t>
             </a:r>
             <a:r>
-              <a:rPr lang="en-US" altLang="ko-KR" baseline="-25000" dirty="0" smtClean="0">
+              <a:rPr lang="en-US" altLang="ko-KR" baseline="-25000" dirty="0">
                 <a:ln>
                   <a:solidFill>
                     <a:srgbClr val="1D4098">
@@ -30841,7 +30073,7 @@
               <a:t>/</a:t>
             </a:r>
             <a:r>
-              <a:rPr lang="ko-KR" altLang="en-US" baseline="-25000" dirty="0" smtClean="0">
+              <a:rPr lang="ko-KR" altLang="en-US" baseline="-25000" dirty="0">
                 <a:ln>
                   <a:solidFill>
                     <a:srgbClr val="1D4098">
@@ -30858,7 +30090,7 @@
               <a:t>군</a:t>
             </a:r>
             <a:r>
-              <a:rPr lang="en-US" altLang="ko-KR" baseline="-25000" dirty="0" smtClean="0">
+              <a:rPr lang="en-US" altLang="ko-KR" baseline="-25000" dirty="0">
                 <a:ln>
                   <a:solidFill>
                     <a:srgbClr val="1D4098">
@@ -30875,7 +30107,7 @@
               <a:t>/</a:t>
             </a:r>
             <a:r>
-              <a:rPr lang="ko-KR" altLang="en-US" baseline="-25000" dirty="0" smtClean="0">
+              <a:rPr lang="ko-KR" altLang="en-US" baseline="-25000" dirty="0">
                 <a:ln>
                   <a:solidFill>
                     <a:srgbClr val="1D4098">
@@ -30892,7 +30124,7 @@
               <a:t>구에 속한 동들의 매매 평균가를 표시합니다</a:t>
             </a:r>
             <a:r>
-              <a:rPr lang="en-US" altLang="ko-KR" baseline="-25000" dirty="0" smtClean="0">
+              <a:rPr lang="en-US" altLang="ko-KR" baseline="-25000" dirty="0">
                 <a:ln>
                   <a:solidFill>
                     <a:srgbClr val="1D4098">
@@ -30909,7 +30141,7 @@
               <a:t>.</a:t>
             </a:r>
             <a:br>
-              <a:rPr lang="en-US" altLang="ko-KR" baseline="-25000" dirty="0" smtClean="0">
+              <a:rPr lang="en-US" altLang="ko-KR" baseline="-25000" dirty="0">
                 <a:ln>
                   <a:solidFill>
                     <a:srgbClr val="1D4098">
@@ -30925,7 +30157,7 @@
               </a:rPr>
             </a:br>
             <a:r>
-              <a:rPr lang="ko-KR" altLang="en-US" baseline="-25000" dirty="0" smtClean="0">
+              <a:rPr lang="ko-KR" altLang="en-US" baseline="-25000" dirty="0">
                 <a:ln>
                   <a:solidFill>
                     <a:srgbClr val="1D4098">
@@ -30942,7 +30174,7 @@
               <a:t>직접 하나하나 찾아보지 않아도 상대적으로 시세가 높은 동을 한눈에 찾아 볼 수 있습니다</a:t>
             </a:r>
             <a:r>
-              <a:rPr lang="en-US" altLang="ko-KR" baseline="-25000" dirty="0" smtClean="0">
+              <a:rPr lang="en-US" altLang="ko-KR" baseline="-25000" dirty="0">
                 <a:ln>
                   <a:solidFill>
                     <a:srgbClr val="1D4098">
@@ -30958,20 +30190,6 @@
               </a:rPr>
               <a:t>.</a:t>
             </a:r>
-            <a:endParaRPr lang="en-US" altLang="ko-KR" baseline="-25000" dirty="0">
-              <a:ln>
-                <a:solidFill>
-                  <a:srgbClr val="1D4098">
-                    <a:alpha val="0"/>
-                  </a:srgbClr>
-                </a:solidFill>
-              </a:ln>
-              <a:solidFill>
-                <a:schemeClr val="bg1"/>
-              </a:solidFill>
-              <a:latin typeface="IBM Plex Sans KR Light" panose="020B0403050203000203" pitchFamily="50" charset="-127"/>
-              <a:ea typeface="IBM Plex Sans KR Light" panose="020B0403050203000203" pitchFamily="50" charset="-127"/>
-            </a:endParaRPr>
           </a:p>
         </p:txBody>
       </p:sp>
@@ -30997,13 +30215,6 @@
       </p:transition>
     </mc:Fallback>
   </mc:AlternateContent>
-  <p:timing>
-    <p:tnLst>
-      <p:par>
-        <p:cTn id="1" dur="indefinite" restart="never" nodeType="tmRoot"/>
-      </p:par>
-    </p:tnLst>
-  </p:timing>
 </p:sld>
 </file>
 
